--- a/prezentacja/dswbiznesie.pptx
+++ b/prezentacja/dswbiznesie.pptx
@@ -3,20 +3,21 @@
 <p:presentation xmlns:a="http://schemas.openxmlformats.org/drawingml/2006/main" xmlns:p="http://schemas.openxmlformats.org/presentationml/2006/main" xmlns:r="http://schemas.openxmlformats.org/officeDocument/2006/relationships" xmlns:p14="http://schemas.microsoft.com/office/powerpoint/2010/main" xmlns:p15="http://schemas.microsoft.com/office/powerpoint/2012/main" xmlns:mc="http://schemas.openxmlformats.org/markup-compatibility/2006">
   <p:sldMasterIdLst>
     <p:sldMasterId id="2147483648" r:id="rId2"/>
+    <p:sldMasterId id="2147483661" r:id="rId3"/>
   </p:sldMasterIdLst>
   <p:sldIdLst>
-    <p:sldId id="256" r:id="rId3"/>
-    <p:sldId id="257" r:id="rId4"/>
-    <p:sldId id="258" r:id="rId5"/>
-    <p:sldId id="259" r:id="rId6"/>
-    <p:sldId id="260" r:id="rId7"/>
-    <p:sldId id="261" r:id="rId8"/>
-    <p:sldId id="262" r:id="rId9"/>
-    <p:sldId id="263" r:id="rId10"/>
-    <p:sldId id="264" r:id="rId11"/>
-    <p:sldId id="265" r:id="rId12"/>
-    <p:sldId id="266" r:id="rId13"/>
-    <p:sldId id="267" r:id="rId14"/>
+    <p:sldId id="256" r:id="rId4"/>
+    <p:sldId id="257" r:id="rId5"/>
+    <p:sldId id="258" r:id="rId6"/>
+    <p:sldId id="259" r:id="rId7"/>
+    <p:sldId id="260" r:id="rId8"/>
+    <p:sldId id="261" r:id="rId9"/>
+    <p:sldId id="262" r:id="rId10"/>
+    <p:sldId id="263" r:id="rId11"/>
+    <p:sldId id="264" r:id="rId12"/>
+    <p:sldId id="265" r:id="rId13"/>
+    <p:sldId id="266" r:id="rId14"/>
+    <p:sldId id="267" r:id="rId15"/>
   </p:sldIdLst>
   <p:sldSz cx="10080625" cy="7559675"/>
   <p:notesSz cx="7559675" cy="10691812"/>
@@ -64,7 +65,7 @@
       </p:grpSpPr>
       <p:sp>
         <p:nvSpPr>
-          <p:cNvPr id="26" name="PlaceHolder 1"/>
+          <p:cNvPr id="23" name="PlaceHolder 1"/>
           <p:cNvSpPr>
             <a:spLocks noGrp="1"/>
           </p:cNvSpPr>
@@ -75,7 +76,7 @@
         <p:spPr>
           <a:xfrm>
             <a:off x="504000" y="301320"/>
-            <a:ext cx="9071640" cy="1262160"/>
+            <a:ext cx="9071280" cy="1261800"/>
           </a:xfrm>
           <a:prstGeom prst="rect">
             <a:avLst/>
@@ -101,7 +102,7 @@
       </p:sp>
       <p:sp>
         <p:nvSpPr>
-          <p:cNvPr id="27" name="PlaceHolder 2"/>
+          <p:cNvPr id="24" name="PlaceHolder 2"/>
           <p:cNvSpPr>
             <a:spLocks noGrp="1"/>
           </p:cNvSpPr>
@@ -112,7 +113,7 @@
         <p:spPr>
           <a:xfrm>
             <a:off x="504000" y="1769040"/>
-            <a:ext cx="9071640" cy="2091240"/>
+            <a:ext cx="9071280" cy="2090880"/>
           </a:xfrm>
           <a:prstGeom prst="rect">
             <a:avLst/>
@@ -137,7 +138,7 @@
       </p:sp>
       <p:sp>
         <p:nvSpPr>
-          <p:cNvPr id="28" name="PlaceHolder 3"/>
+          <p:cNvPr id="25" name="PlaceHolder 3"/>
           <p:cNvSpPr>
             <a:spLocks noGrp="1"/>
           </p:cNvSpPr>
@@ -147,8 +148,8 @@
         </p:nvSpPr>
         <p:spPr>
           <a:xfrm>
-            <a:off x="504000" y="4059360"/>
-            <a:ext cx="9071640" cy="2091240"/>
+            <a:off x="504000" y="4059000"/>
+            <a:ext cx="9071280" cy="2090880"/>
           </a:xfrm>
           <a:prstGeom prst="rect">
             <a:avLst/>
@@ -195,7 +196,7 @@
       </p:grpSpPr>
       <p:sp>
         <p:nvSpPr>
-          <p:cNvPr id="29" name="PlaceHolder 1"/>
+          <p:cNvPr id="26" name="PlaceHolder 1"/>
           <p:cNvSpPr>
             <a:spLocks noGrp="1"/>
           </p:cNvSpPr>
@@ -206,7 +207,7 @@
         <p:spPr>
           <a:xfrm>
             <a:off x="504000" y="301320"/>
-            <a:ext cx="9071640" cy="1262160"/>
+            <a:ext cx="9071280" cy="1261800"/>
           </a:xfrm>
           <a:prstGeom prst="rect">
             <a:avLst/>
@@ -232,7 +233,7 @@
       </p:sp>
       <p:sp>
         <p:nvSpPr>
-          <p:cNvPr id="30" name="PlaceHolder 2"/>
+          <p:cNvPr id="27" name="PlaceHolder 2"/>
           <p:cNvSpPr>
             <a:spLocks noGrp="1"/>
           </p:cNvSpPr>
@@ -243,7 +244,7 @@
         <p:spPr>
           <a:xfrm>
             <a:off x="504000" y="1769040"/>
-            <a:ext cx="4426920" cy="2091240"/>
+            <a:ext cx="4426560" cy="2090880"/>
           </a:xfrm>
           <a:prstGeom prst="rect">
             <a:avLst/>
@@ -268,7 +269,7 @@
       </p:sp>
       <p:sp>
         <p:nvSpPr>
-          <p:cNvPr id="31" name="PlaceHolder 3"/>
+          <p:cNvPr id="28" name="PlaceHolder 3"/>
           <p:cNvSpPr>
             <a:spLocks noGrp="1"/>
           </p:cNvSpPr>
@@ -278,8 +279,8 @@
         </p:nvSpPr>
         <p:spPr>
           <a:xfrm>
-            <a:off x="5152680" y="1769040"/>
-            <a:ext cx="4426920" cy="2091240"/>
+            <a:off x="5152320" y="1769040"/>
+            <a:ext cx="4426560" cy="2090880"/>
           </a:xfrm>
           <a:prstGeom prst="rect">
             <a:avLst/>
@@ -304,7 +305,7 @@
       </p:sp>
       <p:sp>
         <p:nvSpPr>
-          <p:cNvPr id="32" name="PlaceHolder 4"/>
+          <p:cNvPr id="29" name="PlaceHolder 4"/>
           <p:cNvSpPr>
             <a:spLocks noGrp="1"/>
           </p:cNvSpPr>
@@ -314,8 +315,8 @@
         </p:nvSpPr>
         <p:spPr>
           <a:xfrm>
-            <a:off x="5152680" y="4059360"/>
-            <a:ext cx="4426920" cy="2091240"/>
+            <a:off x="5152320" y="4059000"/>
+            <a:ext cx="4426560" cy="2090880"/>
           </a:xfrm>
           <a:prstGeom prst="rect">
             <a:avLst/>
@@ -340,7 +341,7 @@
       </p:sp>
       <p:sp>
         <p:nvSpPr>
-          <p:cNvPr id="33" name="PlaceHolder 5"/>
+          <p:cNvPr id="30" name="PlaceHolder 5"/>
           <p:cNvSpPr>
             <a:spLocks noGrp="1"/>
           </p:cNvSpPr>
@@ -350,8 +351,8 @@
         </p:nvSpPr>
         <p:spPr>
           <a:xfrm>
-            <a:off x="504000" y="4059360"/>
-            <a:ext cx="4426920" cy="2091240"/>
+            <a:off x="504000" y="4059000"/>
+            <a:ext cx="4426560" cy="2090880"/>
           </a:xfrm>
           <a:prstGeom prst="rect">
             <a:avLst/>
@@ -398,7 +399,7 @@
       </p:grpSpPr>
       <p:sp>
         <p:nvSpPr>
-          <p:cNvPr id="34" name="PlaceHolder 1"/>
+          <p:cNvPr id="31" name="PlaceHolder 1"/>
           <p:cNvSpPr>
             <a:spLocks noGrp="1"/>
           </p:cNvSpPr>
@@ -409,7 +410,7 @@
         <p:spPr>
           <a:xfrm>
             <a:off x="504000" y="301320"/>
-            <a:ext cx="9071640" cy="1262160"/>
+            <a:ext cx="9071280" cy="1261800"/>
           </a:xfrm>
           <a:prstGeom prst="rect">
             <a:avLst/>
@@ -435,7 +436,7 @@
       </p:sp>
       <p:sp>
         <p:nvSpPr>
-          <p:cNvPr id="35" name="PlaceHolder 2"/>
+          <p:cNvPr id="32" name="PlaceHolder 2"/>
           <p:cNvSpPr>
             <a:spLocks noGrp="1"/>
           </p:cNvSpPr>
@@ -446,7 +447,7 @@
         <p:spPr>
           <a:xfrm>
             <a:off x="504000" y="1769040"/>
-            <a:ext cx="9071640" cy="4384440"/>
+            <a:ext cx="9071280" cy="4384080"/>
           </a:xfrm>
           <a:prstGeom prst="rect">
             <a:avLst/>
@@ -471,7 +472,7 @@
       </p:sp>
       <p:sp>
         <p:nvSpPr>
-          <p:cNvPr id="36" name="PlaceHolder 3"/>
+          <p:cNvPr id="33" name="PlaceHolder 3"/>
           <p:cNvSpPr>
             <a:spLocks noGrp="1"/>
           </p:cNvSpPr>
@@ -482,7 +483,7 @@
         <p:spPr>
           <a:xfrm>
             <a:off x="504000" y="1769040"/>
-            <a:ext cx="9071640" cy="4384440"/>
+            <a:ext cx="9071280" cy="4384080"/>
           </a:xfrm>
           <a:prstGeom prst="rect">
             <a:avLst/>
@@ -507,7 +508,7 @@
       </p:sp>
       <p:pic>
         <p:nvPicPr>
-          <p:cNvPr id="37" name="" descr=""/>
+          <p:cNvPr id="34" name="" descr=""/>
           <p:cNvPicPr/>
           <p:nvPr/>
         </p:nvPicPr>
@@ -517,8 +518,8 @@
         </p:blipFill>
         <p:spPr>
           <a:xfrm>
-            <a:off x="2292120" y="1768680"/>
-            <a:ext cx="5495040" cy="4384440"/>
+            <a:off x="2292120" y="1769040"/>
+            <a:ext cx="5494680" cy="4384080"/>
           </a:xfrm>
           <a:prstGeom prst="rect">
             <a:avLst/>
@@ -530,7 +531,7 @@
       </p:pic>
       <p:pic>
         <p:nvPicPr>
-          <p:cNvPr id="38" name="" descr=""/>
+          <p:cNvPr id="35" name="" descr=""/>
           <p:cNvPicPr/>
           <p:nvPr/>
         </p:nvPicPr>
@@ -540,8 +541,8 @@
         </p:blipFill>
         <p:spPr>
           <a:xfrm>
-            <a:off x="2292120" y="1768680"/>
-            <a:ext cx="5495040" cy="4384440"/>
+            <a:off x="2292120" y="1769040"/>
+            <a:ext cx="5494680" cy="4384080"/>
           </a:xfrm>
           <a:prstGeom prst="rect">
             <a:avLst/>
@@ -551,6 +552,635 @@
           </a:ln>
         </p:spPr>
       </p:pic>
+    </p:spTree>
+  </p:cSld>
+</p:sldLayout>
+</file>
+
+<file path=ppt/slideLayouts/slideLayout13.xml><?xml version="1.0" encoding="utf-8"?>
+<p:sldLayout xmlns:a="http://schemas.openxmlformats.org/drawingml/2006/main" xmlns:p="http://schemas.openxmlformats.org/presentationml/2006/main" xmlns:r="http://schemas.openxmlformats.org/officeDocument/2006/relationships" xmlns:p14="http://schemas.microsoft.com/office/powerpoint/2010/main" xmlns:p15="http://schemas.microsoft.com/office/powerpoint/2012/main" xmlns:mc="http://schemas.openxmlformats.org/markup-compatibility/2006" type="blank" preserve="1">
+  <p:cSld name="Blank Slide">
+    <p:spTree>
+      <p:nvGrpSpPr>
+        <p:cNvPr id="1" name=""/>
+        <p:cNvGrpSpPr/>
+        <p:nvPr/>
+      </p:nvGrpSpPr>
+      <p:grpSpPr>
+        <a:xfrm>
+          <a:off x="0" y="0"/>
+          <a:ext cx="0" cy="0"/>
+          <a:chOff x="0" y="0"/>
+          <a:chExt cx="0" cy="0"/>
+        </a:xfrm>
+      </p:grpSpPr>
+    </p:spTree>
+  </p:cSld>
+</p:sldLayout>
+</file>
+
+<file path=ppt/slideLayouts/slideLayout14.xml><?xml version="1.0" encoding="utf-8"?>
+<p:sldLayout xmlns:a="http://schemas.openxmlformats.org/drawingml/2006/main" xmlns:p="http://schemas.openxmlformats.org/presentationml/2006/main" xmlns:r="http://schemas.openxmlformats.org/officeDocument/2006/relationships" xmlns:p14="http://schemas.microsoft.com/office/powerpoint/2010/main" xmlns:p15="http://schemas.microsoft.com/office/powerpoint/2012/main" xmlns:mc="http://schemas.openxmlformats.org/markup-compatibility/2006" type="tx" preserve="1">
+  <p:cSld name="Title Slide">
+    <p:spTree>
+      <p:nvGrpSpPr>
+        <p:cNvPr id="1" name=""/>
+        <p:cNvGrpSpPr/>
+        <p:nvPr/>
+      </p:nvGrpSpPr>
+      <p:grpSpPr>
+        <a:xfrm>
+          <a:off x="0" y="0"/>
+          <a:ext cx="0" cy="0"/>
+          <a:chOff x="0" y="0"/>
+          <a:chExt cx="0" cy="0"/>
+        </a:xfrm>
+      </p:grpSpPr>
+      <p:sp>
+        <p:nvSpPr>
+          <p:cNvPr id="38" name="PlaceHolder 1"/>
+          <p:cNvSpPr>
+            <a:spLocks noGrp="1"/>
+          </p:cNvSpPr>
+          <p:nvPr>
+            <p:ph type="title"/>
+          </p:nvPr>
+        </p:nvSpPr>
+        <p:spPr>
+          <a:xfrm>
+            <a:off x="504000" y="301320"/>
+            <a:ext cx="9071280" cy="1261800"/>
+          </a:xfrm>
+          <a:prstGeom prst="rect">
+            <a:avLst/>
+          </a:prstGeom>
+        </p:spPr>
+        <p:txBody>
+          <a:bodyPr lIns="0" rIns="0" tIns="0" bIns="0" anchor="ctr"/>
+          <a:p>
+            <a:pPr algn="ctr"/>
+            <a:endParaRPr b="0" lang="en-US" sz="4400" spc="-1" strike="noStrike">
+              <a:solidFill>
+                <a:srgbClr val="000000"/>
+              </a:solidFill>
+              <a:uFill>
+                <a:solidFill>
+                  <a:srgbClr val="ffffff"/>
+                </a:solidFill>
+              </a:uFill>
+              <a:latin typeface="Arial"/>
+            </a:endParaRPr>
+          </a:p>
+        </p:txBody>
+      </p:sp>
+      <p:sp>
+        <p:nvSpPr>
+          <p:cNvPr id="39" name="PlaceHolder 2"/>
+          <p:cNvSpPr>
+            <a:spLocks noGrp="1"/>
+          </p:cNvSpPr>
+          <p:nvPr>
+            <p:ph type="subTitle"/>
+          </p:nvPr>
+        </p:nvSpPr>
+        <p:spPr>
+          <a:xfrm>
+            <a:off x="504000" y="1769040"/>
+            <a:ext cx="9071280" cy="4384080"/>
+          </a:xfrm>
+          <a:prstGeom prst="rect">
+            <a:avLst/>
+          </a:prstGeom>
+        </p:spPr>
+        <p:txBody>
+          <a:bodyPr lIns="0" rIns="0" tIns="0" bIns="0" anchor="ctr"/>
+          <a:p>
+            <a:pPr algn="ctr"/>
+            <a:endParaRPr b="0" lang="en-US" sz="3200" spc="-1" strike="noStrike">
+              <a:solidFill>
+                <a:srgbClr val="000000"/>
+              </a:solidFill>
+              <a:uFill>
+                <a:solidFill>
+                  <a:srgbClr val="ffffff"/>
+                </a:solidFill>
+              </a:uFill>
+              <a:latin typeface="Arial"/>
+            </a:endParaRPr>
+          </a:p>
+        </p:txBody>
+      </p:sp>
+    </p:spTree>
+  </p:cSld>
+</p:sldLayout>
+</file>
+
+<file path=ppt/slideLayouts/slideLayout15.xml><?xml version="1.0" encoding="utf-8"?>
+<p:sldLayout xmlns:a="http://schemas.openxmlformats.org/drawingml/2006/main" xmlns:p="http://schemas.openxmlformats.org/presentationml/2006/main" xmlns:r="http://schemas.openxmlformats.org/officeDocument/2006/relationships" xmlns:p14="http://schemas.microsoft.com/office/powerpoint/2010/main" xmlns:p15="http://schemas.microsoft.com/office/powerpoint/2012/main" xmlns:mc="http://schemas.openxmlformats.org/markup-compatibility/2006" type="obj" preserve="1">
+  <p:cSld name="Title, Content">
+    <p:spTree>
+      <p:nvGrpSpPr>
+        <p:cNvPr id="1" name=""/>
+        <p:cNvGrpSpPr/>
+        <p:nvPr/>
+      </p:nvGrpSpPr>
+      <p:grpSpPr>
+        <a:xfrm>
+          <a:off x="0" y="0"/>
+          <a:ext cx="0" cy="0"/>
+          <a:chOff x="0" y="0"/>
+          <a:chExt cx="0" cy="0"/>
+        </a:xfrm>
+      </p:grpSpPr>
+      <p:sp>
+        <p:nvSpPr>
+          <p:cNvPr id="40" name="PlaceHolder 1"/>
+          <p:cNvSpPr>
+            <a:spLocks noGrp="1"/>
+          </p:cNvSpPr>
+          <p:nvPr>
+            <p:ph type="title"/>
+          </p:nvPr>
+        </p:nvSpPr>
+        <p:spPr>
+          <a:xfrm>
+            <a:off x="504000" y="301320"/>
+            <a:ext cx="9071280" cy="1261800"/>
+          </a:xfrm>
+          <a:prstGeom prst="rect">
+            <a:avLst/>
+          </a:prstGeom>
+        </p:spPr>
+        <p:txBody>
+          <a:bodyPr lIns="0" rIns="0" tIns="0" bIns="0" anchor="ctr"/>
+          <a:p>
+            <a:pPr algn="ctr"/>
+            <a:endParaRPr b="0" lang="en-US" sz="4400" spc="-1" strike="noStrike">
+              <a:solidFill>
+                <a:srgbClr val="000000"/>
+              </a:solidFill>
+              <a:uFill>
+                <a:solidFill>
+                  <a:srgbClr val="ffffff"/>
+                </a:solidFill>
+              </a:uFill>
+              <a:latin typeface="Arial"/>
+            </a:endParaRPr>
+          </a:p>
+        </p:txBody>
+      </p:sp>
+      <p:sp>
+        <p:nvSpPr>
+          <p:cNvPr id="41" name="PlaceHolder 2"/>
+          <p:cNvSpPr>
+            <a:spLocks noGrp="1"/>
+          </p:cNvSpPr>
+          <p:nvPr>
+            <p:ph type="body"/>
+          </p:nvPr>
+        </p:nvSpPr>
+        <p:spPr>
+          <a:xfrm>
+            <a:off x="504000" y="1769040"/>
+            <a:ext cx="9071280" cy="4384080"/>
+          </a:xfrm>
+          <a:prstGeom prst="rect">
+            <a:avLst/>
+          </a:prstGeom>
+        </p:spPr>
+        <p:txBody>
+          <a:bodyPr lIns="0" rIns="0" tIns="0" bIns="0"/>
+          <a:p>
+            <a:endParaRPr b="0" lang="en-US" sz="3200" spc="-1" strike="noStrike">
+              <a:solidFill>
+                <a:srgbClr val="000000"/>
+              </a:solidFill>
+              <a:uFill>
+                <a:solidFill>
+                  <a:srgbClr val="ffffff"/>
+                </a:solidFill>
+              </a:uFill>
+              <a:latin typeface="Arial"/>
+            </a:endParaRPr>
+          </a:p>
+        </p:txBody>
+      </p:sp>
+    </p:spTree>
+  </p:cSld>
+</p:sldLayout>
+</file>
+
+<file path=ppt/slideLayouts/slideLayout16.xml><?xml version="1.0" encoding="utf-8"?>
+<p:sldLayout xmlns:a="http://schemas.openxmlformats.org/drawingml/2006/main" xmlns:p="http://schemas.openxmlformats.org/presentationml/2006/main" xmlns:r="http://schemas.openxmlformats.org/officeDocument/2006/relationships" xmlns:p14="http://schemas.microsoft.com/office/powerpoint/2010/main" xmlns:p15="http://schemas.microsoft.com/office/powerpoint/2012/main" xmlns:mc="http://schemas.openxmlformats.org/markup-compatibility/2006" type="twoObj" preserve="1">
+  <p:cSld name="Title, 2 Content">
+    <p:spTree>
+      <p:nvGrpSpPr>
+        <p:cNvPr id="1" name=""/>
+        <p:cNvGrpSpPr/>
+        <p:nvPr/>
+      </p:nvGrpSpPr>
+      <p:grpSpPr>
+        <a:xfrm>
+          <a:off x="0" y="0"/>
+          <a:ext cx="0" cy="0"/>
+          <a:chOff x="0" y="0"/>
+          <a:chExt cx="0" cy="0"/>
+        </a:xfrm>
+      </p:grpSpPr>
+      <p:sp>
+        <p:nvSpPr>
+          <p:cNvPr id="42" name="PlaceHolder 1"/>
+          <p:cNvSpPr>
+            <a:spLocks noGrp="1"/>
+          </p:cNvSpPr>
+          <p:nvPr>
+            <p:ph type="title"/>
+          </p:nvPr>
+        </p:nvSpPr>
+        <p:spPr>
+          <a:xfrm>
+            <a:off x="504000" y="301320"/>
+            <a:ext cx="9071280" cy="1261800"/>
+          </a:xfrm>
+          <a:prstGeom prst="rect">
+            <a:avLst/>
+          </a:prstGeom>
+        </p:spPr>
+        <p:txBody>
+          <a:bodyPr lIns="0" rIns="0" tIns="0" bIns="0" anchor="ctr"/>
+          <a:p>
+            <a:pPr algn="ctr"/>
+            <a:endParaRPr b="0" lang="en-US" sz="4400" spc="-1" strike="noStrike">
+              <a:solidFill>
+                <a:srgbClr val="000000"/>
+              </a:solidFill>
+              <a:uFill>
+                <a:solidFill>
+                  <a:srgbClr val="ffffff"/>
+                </a:solidFill>
+              </a:uFill>
+              <a:latin typeface="Arial"/>
+            </a:endParaRPr>
+          </a:p>
+        </p:txBody>
+      </p:sp>
+      <p:sp>
+        <p:nvSpPr>
+          <p:cNvPr id="43" name="PlaceHolder 2"/>
+          <p:cNvSpPr>
+            <a:spLocks noGrp="1"/>
+          </p:cNvSpPr>
+          <p:nvPr>
+            <p:ph type="body"/>
+          </p:nvPr>
+        </p:nvSpPr>
+        <p:spPr>
+          <a:xfrm>
+            <a:off x="504000" y="1769040"/>
+            <a:ext cx="4426560" cy="4384080"/>
+          </a:xfrm>
+          <a:prstGeom prst="rect">
+            <a:avLst/>
+          </a:prstGeom>
+        </p:spPr>
+        <p:txBody>
+          <a:bodyPr lIns="0" rIns="0" tIns="0" bIns="0"/>
+          <a:p>
+            <a:endParaRPr b="0" lang="en-US" sz="3200" spc="-1" strike="noStrike">
+              <a:solidFill>
+                <a:srgbClr val="000000"/>
+              </a:solidFill>
+              <a:uFill>
+                <a:solidFill>
+                  <a:srgbClr val="ffffff"/>
+                </a:solidFill>
+              </a:uFill>
+              <a:latin typeface="Arial"/>
+            </a:endParaRPr>
+          </a:p>
+        </p:txBody>
+      </p:sp>
+      <p:sp>
+        <p:nvSpPr>
+          <p:cNvPr id="44" name="PlaceHolder 3"/>
+          <p:cNvSpPr>
+            <a:spLocks noGrp="1"/>
+          </p:cNvSpPr>
+          <p:nvPr>
+            <p:ph type="body"/>
+          </p:nvPr>
+        </p:nvSpPr>
+        <p:spPr>
+          <a:xfrm>
+            <a:off x="5152320" y="1769040"/>
+            <a:ext cx="4426560" cy="4384080"/>
+          </a:xfrm>
+          <a:prstGeom prst="rect">
+            <a:avLst/>
+          </a:prstGeom>
+        </p:spPr>
+        <p:txBody>
+          <a:bodyPr lIns="0" rIns="0" tIns="0" bIns="0"/>
+          <a:p>
+            <a:endParaRPr b="0" lang="en-US" sz="3200" spc="-1" strike="noStrike">
+              <a:solidFill>
+                <a:srgbClr val="000000"/>
+              </a:solidFill>
+              <a:uFill>
+                <a:solidFill>
+                  <a:srgbClr val="ffffff"/>
+                </a:solidFill>
+              </a:uFill>
+              <a:latin typeface="Arial"/>
+            </a:endParaRPr>
+          </a:p>
+        </p:txBody>
+      </p:sp>
+    </p:spTree>
+  </p:cSld>
+</p:sldLayout>
+</file>
+
+<file path=ppt/slideLayouts/slideLayout17.xml><?xml version="1.0" encoding="utf-8"?>
+<p:sldLayout xmlns:a="http://schemas.openxmlformats.org/drawingml/2006/main" xmlns:p="http://schemas.openxmlformats.org/presentationml/2006/main" xmlns:r="http://schemas.openxmlformats.org/officeDocument/2006/relationships" xmlns:p14="http://schemas.microsoft.com/office/powerpoint/2010/main" xmlns:p15="http://schemas.microsoft.com/office/powerpoint/2012/main" xmlns:mc="http://schemas.openxmlformats.org/markup-compatibility/2006" type="titleOnly" preserve="1">
+  <p:cSld name="Title Only">
+    <p:spTree>
+      <p:nvGrpSpPr>
+        <p:cNvPr id="1" name=""/>
+        <p:cNvGrpSpPr/>
+        <p:nvPr/>
+      </p:nvGrpSpPr>
+      <p:grpSpPr>
+        <a:xfrm>
+          <a:off x="0" y="0"/>
+          <a:ext cx="0" cy="0"/>
+          <a:chOff x="0" y="0"/>
+          <a:chExt cx="0" cy="0"/>
+        </a:xfrm>
+      </p:grpSpPr>
+      <p:sp>
+        <p:nvSpPr>
+          <p:cNvPr id="45" name="PlaceHolder 1"/>
+          <p:cNvSpPr>
+            <a:spLocks noGrp="1"/>
+          </p:cNvSpPr>
+          <p:nvPr>
+            <p:ph type="title"/>
+          </p:nvPr>
+        </p:nvSpPr>
+        <p:spPr>
+          <a:xfrm>
+            <a:off x="504000" y="301320"/>
+            <a:ext cx="9071280" cy="1261800"/>
+          </a:xfrm>
+          <a:prstGeom prst="rect">
+            <a:avLst/>
+          </a:prstGeom>
+        </p:spPr>
+        <p:txBody>
+          <a:bodyPr lIns="0" rIns="0" tIns="0" bIns="0" anchor="ctr"/>
+          <a:p>
+            <a:pPr algn="ctr"/>
+            <a:endParaRPr b="0" lang="en-US" sz="4400" spc="-1" strike="noStrike">
+              <a:solidFill>
+                <a:srgbClr val="000000"/>
+              </a:solidFill>
+              <a:uFill>
+                <a:solidFill>
+                  <a:srgbClr val="ffffff"/>
+                </a:solidFill>
+              </a:uFill>
+              <a:latin typeface="Arial"/>
+            </a:endParaRPr>
+          </a:p>
+        </p:txBody>
+      </p:sp>
+    </p:spTree>
+  </p:cSld>
+</p:sldLayout>
+</file>
+
+<file path=ppt/slideLayouts/slideLayout18.xml><?xml version="1.0" encoding="utf-8"?>
+<p:sldLayout xmlns:a="http://schemas.openxmlformats.org/drawingml/2006/main" xmlns:p="http://schemas.openxmlformats.org/presentationml/2006/main" xmlns:r="http://schemas.openxmlformats.org/officeDocument/2006/relationships" xmlns:p14="http://schemas.microsoft.com/office/powerpoint/2010/main" xmlns:p15="http://schemas.microsoft.com/office/powerpoint/2012/main" xmlns:mc="http://schemas.openxmlformats.org/markup-compatibility/2006" type="objOnly" preserve="1">
+  <p:cSld name="Centered Text">
+    <p:spTree>
+      <p:nvGrpSpPr>
+        <p:cNvPr id="1" name=""/>
+        <p:cNvGrpSpPr/>
+        <p:nvPr/>
+      </p:nvGrpSpPr>
+      <p:grpSpPr>
+        <a:xfrm>
+          <a:off x="0" y="0"/>
+          <a:ext cx="0" cy="0"/>
+          <a:chOff x="0" y="0"/>
+          <a:chExt cx="0" cy="0"/>
+        </a:xfrm>
+      </p:grpSpPr>
+      <p:sp>
+        <p:nvSpPr>
+          <p:cNvPr id="46" name="PlaceHolder 1"/>
+          <p:cNvSpPr>
+            <a:spLocks noGrp="1"/>
+          </p:cNvSpPr>
+          <p:nvPr>
+            <p:ph type="subTitle"/>
+          </p:nvPr>
+        </p:nvSpPr>
+        <p:spPr>
+          <a:xfrm>
+            <a:off x="504000" y="301320"/>
+            <a:ext cx="9071280" cy="5850360"/>
+          </a:xfrm>
+          <a:prstGeom prst="rect">
+            <a:avLst/>
+          </a:prstGeom>
+        </p:spPr>
+        <p:txBody>
+          <a:bodyPr lIns="0" rIns="0" tIns="0" bIns="0" anchor="ctr"/>
+          <a:p>
+            <a:pPr algn="ctr"/>
+            <a:endParaRPr b="0" lang="en-US" sz="3200" spc="-1" strike="noStrike">
+              <a:solidFill>
+                <a:srgbClr val="000000"/>
+              </a:solidFill>
+              <a:uFill>
+                <a:solidFill>
+                  <a:srgbClr val="ffffff"/>
+                </a:solidFill>
+              </a:uFill>
+              <a:latin typeface="Arial"/>
+            </a:endParaRPr>
+          </a:p>
+        </p:txBody>
+      </p:sp>
+    </p:spTree>
+  </p:cSld>
+</p:sldLayout>
+</file>
+
+<file path=ppt/slideLayouts/slideLayout19.xml><?xml version="1.0" encoding="utf-8"?>
+<p:sldLayout xmlns:a="http://schemas.openxmlformats.org/drawingml/2006/main" xmlns:p="http://schemas.openxmlformats.org/presentationml/2006/main" xmlns:r="http://schemas.openxmlformats.org/officeDocument/2006/relationships" xmlns:p14="http://schemas.microsoft.com/office/powerpoint/2010/main" xmlns:p15="http://schemas.microsoft.com/office/powerpoint/2012/main" xmlns:mc="http://schemas.openxmlformats.org/markup-compatibility/2006" type="twoObjAndObj" preserve="1">
+  <p:cSld name="Title, 2 Content and Content">
+    <p:spTree>
+      <p:nvGrpSpPr>
+        <p:cNvPr id="1" name=""/>
+        <p:cNvGrpSpPr/>
+        <p:nvPr/>
+      </p:nvGrpSpPr>
+      <p:grpSpPr>
+        <a:xfrm>
+          <a:off x="0" y="0"/>
+          <a:ext cx="0" cy="0"/>
+          <a:chOff x="0" y="0"/>
+          <a:chExt cx="0" cy="0"/>
+        </a:xfrm>
+      </p:grpSpPr>
+      <p:sp>
+        <p:nvSpPr>
+          <p:cNvPr id="47" name="PlaceHolder 1"/>
+          <p:cNvSpPr>
+            <a:spLocks noGrp="1"/>
+          </p:cNvSpPr>
+          <p:nvPr>
+            <p:ph type="title"/>
+          </p:nvPr>
+        </p:nvSpPr>
+        <p:spPr>
+          <a:xfrm>
+            <a:off x="504000" y="301320"/>
+            <a:ext cx="9071280" cy="1261800"/>
+          </a:xfrm>
+          <a:prstGeom prst="rect">
+            <a:avLst/>
+          </a:prstGeom>
+        </p:spPr>
+        <p:txBody>
+          <a:bodyPr lIns="0" rIns="0" tIns="0" bIns="0" anchor="ctr"/>
+          <a:p>
+            <a:pPr algn="ctr"/>
+            <a:endParaRPr b="0" lang="en-US" sz="4400" spc="-1" strike="noStrike">
+              <a:solidFill>
+                <a:srgbClr val="000000"/>
+              </a:solidFill>
+              <a:uFill>
+                <a:solidFill>
+                  <a:srgbClr val="ffffff"/>
+                </a:solidFill>
+              </a:uFill>
+              <a:latin typeface="Arial"/>
+            </a:endParaRPr>
+          </a:p>
+        </p:txBody>
+      </p:sp>
+      <p:sp>
+        <p:nvSpPr>
+          <p:cNvPr id="48" name="PlaceHolder 2"/>
+          <p:cNvSpPr>
+            <a:spLocks noGrp="1"/>
+          </p:cNvSpPr>
+          <p:nvPr>
+            <p:ph type="body"/>
+          </p:nvPr>
+        </p:nvSpPr>
+        <p:spPr>
+          <a:xfrm>
+            <a:off x="504000" y="1769040"/>
+            <a:ext cx="4426560" cy="2090880"/>
+          </a:xfrm>
+          <a:prstGeom prst="rect">
+            <a:avLst/>
+          </a:prstGeom>
+        </p:spPr>
+        <p:txBody>
+          <a:bodyPr lIns="0" rIns="0" tIns="0" bIns="0"/>
+          <a:p>
+            <a:endParaRPr b="0" lang="en-US" sz="3200" spc="-1" strike="noStrike">
+              <a:solidFill>
+                <a:srgbClr val="000000"/>
+              </a:solidFill>
+              <a:uFill>
+                <a:solidFill>
+                  <a:srgbClr val="ffffff"/>
+                </a:solidFill>
+              </a:uFill>
+              <a:latin typeface="Arial"/>
+            </a:endParaRPr>
+          </a:p>
+        </p:txBody>
+      </p:sp>
+      <p:sp>
+        <p:nvSpPr>
+          <p:cNvPr id="49" name="PlaceHolder 3"/>
+          <p:cNvSpPr>
+            <a:spLocks noGrp="1"/>
+          </p:cNvSpPr>
+          <p:nvPr>
+            <p:ph type="body"/>
+          </p:nvPr>
+        </p:nvSpPr>
+        <p:spPr>
+          <a:xfrm>
+            <a:off x="504000" y="4059000"/>
+            <a:ext cx="4426560" cy="2090880"/>
+          </a:xfrm>
+          <a:prstGeom prst="rect">
+            <a:avLst/>
+          </a:prstGeom>
+        </p:spPr>
+        <p:txBody>
+          <a:bodyPr lIns="0" rIns="0" tIns="0" bIns="0"/>
+          <a:p>
+            <a:endParaRPr b="0" lang="en-US" sz="3200" spc="-1" strike="noStrike">
+              <a:solidFill>
+                <a:srgbClr val="000000"/>
+              </a:solidFill>
+              <a:uFill>
+                <a:solidFill>
+                  <a:srgbClr val="ffffff"/>
+                </a:solidFill>
+              </a:uFill>
+              <a:latin typeface="Arial"/>
+            </a:endParaRPr>
+          </a:p>
+        </p:txBody>
+      </p:sp>
+      <p:sp>
+        <p:nvSpPr>
+          <p:cNvPr id="50" name="PlaceHolder 4"/>
+          <p:cNvSpPr>
+            <a:spLocks noGrp="1"/>
+          </p:cNvSpPr>
+          <p:nvPr>
+            <p:ph type="body"/>
+          </p:nvPr>
+        </p:nvSpPr>
+        <p:spPr>
+          <a:xfrm>
+            <a:off x="5152320" y="1769040"/>
+            <a:ext cx="4426560" cy="4384080"/>
+          </a:xfrm>
+          <a:prstGeom prst="rect">
+            <a:avLst/>
+          </a:prstGeom>
+        </p:spPr>
+        <p:txBody>
+          <a:bodyPr lIns="0" rIns="0" tIns="0" bIns="0"/>
+          <a:p>
+            <a:endParaRPr b="0" lang="en-US" sz="3200" spc="-1" strike="noStrike">
+              <a:solidFill>
+                <a:srgbClr val="000000"/>
+              </a:solidFill>
+              <a:uFill>
+                <a:solidFill>
+                  <a:srgbClr val="ffffff"/>
+                </a:solidFill>
+              </a:uFill>
+              <a:latin typeface="Arial"/>
+            </a:endParaRPr>
+          </a:p>
+        </p:txBody>
+      </p:sp>
     </p:spTree>
   </p:cSld>
 </p:sldLayout>
@@ -575,7 +1205,7 @@
       </p:grpSpPr>
       <p:sp>
         <p:nvSpPr>
-          <p:cNvPr id="5" name="PlaceHolder 1"/>
+          <p:cNvPr id="2" name="PlaceHolder 1"/>
           <p:cNvSpPr>
             <a:spLocks noGrp="1"/>
           </p:cNvSpPr>
@@ -586,7 +1216,7 @@
         <p:spPr>
           <a:xfrm>
             <a:off x="504000" y="301320"/>
-            <a:ext cx="9071640" cy="1262160"/>
+            <a:ext cx="9071280" cy="1261800"/>
           </a:xfrm>
           <a:prstGeom prst="rect">
             <a:avLst/>
@@ -612,7 +1242,7 @@
       </p:sp>
       <p:sp>
         <p:nvSpPr>
-          <p:cNvPr id="6" name="PlaceHolder 2"/>
+          <p:cNvPr id="3" name="PlaceHolder 2"/>
           <p:cNvSpPr>
             <a:spLocks noGrp="1"/>
           </p:cNvSpPr>
@@ -623,7 +1253,7 @@
         <p:spPr>
           <a:xfrm>
             <a:off x="504000" y="1769040"/>
-            <a:ext cx="9071640" cy="4384440"/>
+            <a:ext cx="9071280" cy="4384080"/>
           </a:xfrm>
           <a:prstGeom prst="rect">
             <a:avLst/>
@@ -647,6 +1277,851 @@
           </a:p>
         </p:txBody>
       </p:sp>
+    </p:spTree>
+  </p:cSld>
+</p:sldLayout>
+</file>
+
+<file path=ppt/slideLayouts/slideLayout20.xml><?xml version="1.0" encoding="utf-8"?>
+<p:sldLayout xmlns:a="http://schemas.openxmlformats.org/drawingml/2006/main" xmlns:p="http://schemas.openxmlformats.org/presentationml/2006/main" xmlns:r="http://schemas.openxmlformats.org/officeDocument/2006/relationships" xmlns:p14="http://schemas.microsoft.com/office/powerpoint/2010/main" xmlns:p15="http://schemas.microsoft.com/office/powerpoint/2012/main" xmlns:mc="http://schemas.openxmlformats.org/markup-compatibility/2006" type="objAndTwoObj" preserve="1">
+  <p:cSld name="Title Content and 2 Content">
+    <p:spTree>
+      <p:nvGrpSpPr>
+        <p:cNvPr id="1" name=""/>
+        <p:cNvGrpSpPr/>
+        <p:nvPr/>
+      </p:nvGrpSpPr>
+      <p:grpSpPr>
+        <a:xfrm>
+          <a:off x="0" y="0"/>
+          <a:ext cx="0" cy="0"/>
+          <a:chOff x="0" y="0"/>
+          <a:chExt cx="0" cy="0"/>
+        </a:xfrm>
+      </p:grpSpPr>
+      <p:sp>
+        <p:nvSpPr>
+          <p:cNvPr id="51" name="PlaceHolder 1"/>
+          <p:cNvSpPr>
+            <a:spLocks noGrp="1"/>
+          </p:cNvSpPr>
+          <p:nvPr>
+            <p:ph type="title"/>
+          </p:nvPr>
+        </p:nvSpPr>
+        <p:spPr>
+          <a:xfrm>
+            <a:off x="504000" y="301320"/>
+            <a:ext cx="9071280" cy="1261800"/>
+          </a:xfrm>
+          <a:prstGeom prst="rect">
+            <a:avLst/>
+          </a:prstGeom>
+        </p:spPr>
+        <p:txBody>
+          <a:bodyPr lIns="0" rIns="0" tIns="0" bIns="0" anchor="ctr"/>
+          <a:p>
+            <a:pPr algn="ctr"/>
+            <a:endParaRPr b="0" lang="en-US" sz="4400" spc="-1" strike="noStrike">
+              <a:solidFill>
+                <a:srgbClr val="000000"/>
+              </a:solidFill>
+              <a:uFill>
+                <a:solidFill>
+                  <a:srgbClr val="ffffff"/>
+                </a:solidFill>
+              </a:uFill>
+              <a:latin typeface="Arial"/>
+            </a:endParaRPr>
+          </a:p>
+        </p:txBody>
+      </p:sp>
+      <p:sp>
+        <p:nvSpPr>
+          <p:cNvPr id="52" name="PlaceHolder 2"/>
+          <p:cNvSpPr>
+            <a:spLocks noGrp="1"/>
+          </p:cNvSpPr>
+          <p:nvPr>
+            <p:ph type="body"/>
+          </p:nvPr>
+        </p:nvSpPr>
+        <p:spPr>
+          <a:xfrm>
+            <a:off x="504000" y="1769040"/>
+            <a:ext cx="4426560" cy="4384080"/>
+          </a:xfrm>
+          <a:prstGeom prst="rect">
+            <a:avLst/>
+          </a:prstGeom>
+        </p:spPr>
+        <p:txBody>
+          <a:bodyPr lIns="0" rIns="0" tIns="0" bIns="0"/>
+          <a:p>
+            <a:endParaRPr b="0" lang="en-US" sz="3200" spc="-1" strike="noStrike">
+              <a:solidFill>
+                <a:srgbClr val="000000"/>
+              </a:solidFill>
+              <a:uFill>
+                <a:solidFill>
+                  <a:srgbClr val="ffffff"/>
+                </a:solidFill>
+              </a:uFill>
+              <a:latin typeface="Arial"/>
+            </a:endParaRPr>
+          </a:p>
+        </p:txBody>
+      </p:sp>
+      <p:sp>
+        <p:nvSpPr>
+          <p:cNvPr id="53" name="PlaceHolder 3"/>
+          <p:cNvSpPr>
+            <a:spLocks noGrp="1"/>
+          </p:cNvSpPr>
+          <p:nvPr>
+            <p:ph type="body"/>
+          </p:nvPr>
+        </p:nvSpPr>
+        <p:spPr>
+          <a:xfrm>
+            <a:off x="5152320" y="1769040"/>
+            <a:ext cx="4426560" cy="2090880"/>
+          </a:xfrm>
+          <a:prstGeom prst="rect">
+            <a:avLst/>
+          </a:prstGeom>
+        </p:spPr>
+        <p:txBody>
+          <a:bodyPr lIns="0" rIns="0" tIns="0" bIns="0"/>
+          <a:p>
+            <a:endParaRPr b="0" lang="en-US" sz="3200" spc="-1" strike="noStrike">
+              <a:solidFill>
+                <a:srgbClr val="000000"/>
+              </a:solidFill>
+              <a:uFill>
+                <a:solidFill>
+                  <a:srgbClr val="ffffff"/>
+                </a:solidFill>
+              </a:uFill>
+              <a:latin typeface="Arial"/>
+            </a:endParaRPr>
+          </a:p>
+        </p:txBody>
+      </p:sp>
+      <p:sp>
+        <p:nvSpPr>
+          <p:cNvPr id="54" name="PlaceHolder 4"/>
+          <p:cNvSpPr>
+            <a:spLocks noGrp="1"/>
+          </p:cNvSpPr>
+          <p:nvPr>
+            <p:ph type="body"/>
+          </p:nvPr>
+        </p:nvSpPr>
+        <p:spPr>
+          <a:xfrm>
+            <a:off x="5152320" y="4059000"/>
+            <a:ext cx="4426560" cy="2090880"/>
+          </a:xfrm>
+          <a:prstGeom prst="rect">
+            <a:avLst/>
+          </a:prstGeom>
+        </p:spPr>
+        <p:txBody>
+          <a:bodyPr lIns="0" rIns="0" tIns="0" bIns="0"/>
+          <a:p>
+            <a:endParaRPr b="0" lang="en-US" sz="3200" spc="-1" strike="noStrike">
+              <a:solidFill>
+                <a:srgbClr val="000000"/>
+              </a:solidFill>
+              <a:uFill>
+                <a:solidFill>
+                  <a:srgbClr val="ffffff"/>
+                </a:solidFill>
+              </a:uFill>
+              <a:latin typeface="Arial"/>
+            </a:endParaRPr>
+          </a:p>
+        </p:txBody>
+      </p:sp>
+    </p:spTree>
+  </p:cSld>
+</p:sldLayout>
+</file>
+
+<file path=ppt/slideLayouts/slideLayout21.xml><?xml version="1.0" encoding="utf-8"?>
+<p:sldLayout xmlns:a="http://schemas.openxmlformats.org/drawingml/2006/main" xmlns:p="http://schemas.openxmlformats.org/presentationml/2006/main" xmlns:r="http://schemas.openxmlformats.org/officeDocument/2006/relationships" xmlns:p14="http://schemas.microsoft.com/office/powerpoint/2010/main" xmlns:p15="http://schemas.microsoft.com/office/powerpoint/2012/main" xmlns:mc="http://schemas.openxmlformats.org/markup-compatibility/2006" type="twoObjOverTx" preserve="1">
+  <p:cSld name="Title, 2 Content over Content">
+    <p:spTree>
+      <p:nvGrpSpPr>
+        <p:cNvPr id="1" name=""/>
+        <p:cNvGrpSpPr/>
+        <p:nvPr/>
+      </p:nvGrpSpPr>
+      <p:grpSpPr>
+        <a:xfrm>
+          <a:off x="0" y="0"/>
+          <a:ext cx="0" cy="0"/>
+          <a:chOff x="0" y="0"/>
+          <a:chExt cx="0" cy="0"/>
+        </a:xfrm>
+      </p:grpSpPr>
+      <p:sp>
+        <p:nvSpPr>
+          <p:cNvPr id="55" name="PlaceHolder 1"/>
+          <p:cNvSpPr>
+            <a:spLocks noGrp="1"/>
+          </p:cNvSpPr>
+          <p:nvPr>
+            <p:ph type="title"/>
+          </p:nvPr>
+        </p:nvSpPr>
+        <p:spPr>
+          <a:xfrm>
+            <a:off x="504000" y="301320"/>
+            <a:ext cx="9071280" cy="1261800"/>
+          </a:xfrm>
+          <a:prstGeom prst="rect">
+            <a:avLst/>
+          </a:prstGeom>
+        </p:spPr>
+        <p:txBody>
+          <a:bodyPr lIns="0" rIns="0" tIns="0" bIns="0" anchor="ctr"/>
+          <a:p>
+            <a:pPr algn="ctr"/>
+            <a:endParaRPr b="0" lang="en-US" sz="4400" spc="-1" strike="noStrike">
+              <a:solidFill>
+                <a:srgbClr val="000000"/>
+              </a:solidFill>
+              <a:uFill>
+                <a:solidFill>
+                  <a:srgbClr val="ffffff"/>
+                </a:solidFill>
+              </a:uFill>
+              <a:latin typeface="Arial"/>
+            </a:endParaRPr>
+          </a:p>
+        </p:txBody>
+      </p:sp>
+      <p:sp>
+        <p:nvSpPr>
+          <p:cNvPr id="56" name="PlaceHolder 2"/>
+          <p:cNvSpPr>
+            <a:spLocks noGrp="1"/>
+          </p:cNvSpPr>
+          <p:nvPr>
+            <p:ph type="body"/>
+          </p:nvPr>
+        </p:nvSpPr>
+        <p:spPr>
+          <a:xfrm>
+            <a:off x="504000" y="1769040"/>
+            <a:ext cx="4426560" cy="2090880"/>
+          </a:xfrm>
+          <a:prstGeom prst="rect">
+            <a:avLst/>
+          </a:prstGeom>
+        </p:spPr>
+        <p:txBody>
+          <a:bodyPr lIns="0" rIns="0" tIns="0" bIns="0"/>
+          <a:p>
+            <a:endParaRPr b="0" lang="en-US" sz="3200" spc="-1" strike="noStrike">
+              <a:solidFill>
+                <a:srgbClr val="000000"/>
+              </a:solidFill>
+              <a:uFill>
+                <a:solidFill>
+                  <a:srgbClr val="ffffff"/>
+                </a:solidFill>
+              </a:uFill>
+              <a:latin typeface="Arial"/>
+            </a:endParaRPr>
+          </a:p>
+        </p:txBody>
+      </p:sp>
+      <p:sp>
+        <p:nvSpPr>
+          <p:cNvPr id="57" name="PlaceHolder 3"/>
+          <p:cNvSpPr>
+            <a:spLocks noGrp="1"/>
+          </p:cNvSpPr>
+          <p:nvPr>
+            <p:ph type="body"/>
+          </p:nvPr>
+        </p:nvSpPr>
+        <p:spPr>
+          <a:xfrm>
+            <a:off x="5152320" y="1769040"/>
+            <a:ext cx="4426560" cy="2090880"/>
+          </a:xfrm>
+          <a:prstGeom prst="rect">
+            <a:avLst/>
+          </a:prstGeom>
+        </p:spPr>
+        <p:txBody>
+          <a:bodyPr lIns="0" rIns="0" tIns="0" bIns="0"/>
+          <a:p>
+            <a:endParaRPr b="0" lang="en-US" sz="3200" spc="-1" strike="noStrike">
+              <a:solidFill>
+                <a:srgbClr val="000000"/>
+              </a:solidFill>
+              <a:uFill>
+                <a:solidFill>
+                  <a:srgbClr val="ffffff"/>
+                </a:solidFill>
+              </a:uFill>
+              <a:latin typeface="Arial"/>
+            </a:endParaRPr>
+          </a:p>
+        </p:txBody>
+      </p:sp>
+      <p:sp>
+        <p:nvSpPr>
+          <p:cNvPr id="58" name="PlaceHolder 4"/>
+          <p:cNvSpPr>
+            <a:spLocks noGrp="1"/>
+          </p:cNvSpPr>
+          <p:nvPr>
+            <p:ph type="body"/>
+          </p:nvPr>
+        </p:nvSpPr>
+        <p:spPr>
+          <a:xfrm>
+            <a:off x="504000" y="4059000"/>
+            <a:ext cx="9071280" cy="2090880"/>
+          </a:xfrm>
+          <a:prstGeom prst="rect">
+            <a:avLst/>
+          </a:prstGeom>
+        </p:spPr>
+        <p:txBody>
+          <a:bodyPr lIns="0" rIns="0" tIns="0" bIns="0"/>
+          <a:p>
+            <a:endParaRPr b="0" lang="en-US" sz="3200" spc="-1" strike="noStrike">
+              <a:solidFill>
+                <a:srgbClr val="000000"/>
+              </a:solidFill>
+              <a:uFill>
+                <a:solidFill>
+                  <a:srgbClr val="ffffff"/>
+                </a:solidFill>
+              </a:uFill>
+              <a:latin typeface="Arial"/>
+            </a:endParaRPr>
+          </a:p>
+        </p:txBody>
+      </p:sp>
+    </p:spTree>
+  </p:cSld>
+</p:sldLayout>
+</file>
+
+<file path=ppt/slideLayouts/slideLayout22.xml><?xml version="1.0" encoding="utf-8"?>
+<p:sldLayout xmlns:a="http://schemas.openxmlformats.org/drawingml/2006/main" xmlns:p="http://schemas.openxmlformats.org/presentationml/2006/main" xmlns:r="http://schemas.openxmlformats.org/officeDocument/2006/relationships" xmlns:p14="http://schemas.microsoft.com/office/powerpoint/2010/main" xmlns:p15="http://schemas.microsoft.com/office/powerpoint/2012/main" xmlns:mc="http://schemas.openxmlformats.org/markup-compatibility/2006" type="objOverTx" preserve="1">
+  <p:cSld name="Title, Content over Content">
+    <p:spTree>
+      <p:nvGrpSpPr>
+        <p:cNvPr id="1" name=""/>
+        <p:cNvGrpSpPr/>
+        <p:nvPr/>
+      </p:nvGrpSpPr>
+      <p:grpSpPr>
+        <a:xfrm>
+          <a:off x="0" y="0"/>
+          <a:ext cx="0" cy="0"/>
+          <a:chOff x="0" y="0"/>
+          <a:chExt cx="0" cy="0"/>
+        </a:xfrm>
+      </p:grpSpPr>
+      <p:sp>
+        <p:nvSpPr>
+          <p:cNvPr id="59" name="PlaceHolder 1"/>
+          <p:cNvSpPr>
+            <a:spLocks noGrp="1"/>
+          </p:cNvSpPr>
+          <p:nvPr>
+            <p:ph type="title"/>
+          </p:nvPr>
+        </p:nvSpPr>
+        <p:spPr>
+          <a:xfrm>
+            <a:off x="504000" y="301320"/>
+            <a:ext cx="9071280" cy="1261800"/>
+          </a:xfrm>
+          <a:prstGeom prst="rect">
+            <a:avLst/>
+          </a:prstGeom>
+        </p:spPr>
+        <p:txBody>
+          <a:bodyPr lIns="0" rIns="0" tIns="0" bIns="0" anchor="ctr"/>
+          <a:p>
+            <a:pPr algn="ctr"/>
+            <a:endParaRPr b="0" lang="en-US" sz="4400" spc="-1" strike="noStrike">
+              <a:solidFill>
+                <a:srgbClr val="000000"/>
+              </a:solidFill>
+              <a:uFill>
+                <a:solidFill>
+                  <a:srgbClr val="ffffff"/>
+                </a:solidFill>
+              </a:uFill>
+              <a:latin typeface="Arial"/>
+            </a:endParaRPr>
+          </a:p>
+        </p:txBody>
+      </p:sp>
+      <p:sp>
+        <p:nvSpPr>
+          <p:cNvPr id="60" name="PlaceHolder 2"/>
+          <p:cNvSpPr>
+            <a:spLocks noGrp="1"/>
+          </p:cNvSpPr>
+          <p:nvPr>
+            <p:ph type="body"/>
+          </p:nvPr>
+        </p:nvSpPr>
+        <p:spPr>
+          <a:xfrm>
+            <a:off x="504000" y="1769040"/>
+            <a:ext cx="9071280" cy="2090880"/>
+          </a:xfrm>
+          <a:prstGeom prst="rect">
+            <a:avLst/>
+          </a:prstGeom>
+        </p:spPr>
+        <p:txBody>
+          <a:bodyPr lIns="0" rIns="0" tIns="0" bIns="0"/>
+          <a:p>
+            <a:endParaRPr b="0" lang="en-US" sz="3200" spc="-1" strike="noStrike">
+              <a:solidFill>
+                <a:srgbClr val="000000"/>
+              </a:solidFill>
+              <a:uFill>
+                <a:solidFill>
+                  <a:srgbClr val="ffffff"/>
+                </a:solidFill>
+              </a:uFill>
+              <a:latin typeface="Arial"/>
+            </a:endParaRPr>
+          </a:p>
+        </p:txBody>
+      </p:sp>
+      <p:sp>
+        <p:nvSpPr>
+          <p:cNvPr id="61" name="PlaceHolder 3"/>
+          <p:cNvSpPr>
+            <a:spLocks noGrp="1"/>
+          </p:cNvSpPr>
+          <p:nvPr>
+            <p:ph type="body"/>
+          </p:nvPr>
+        </p:nvSpPr>
+        <p:spPr>
+          <a:xfrm>
+            <a:off x="504000" y="4059000"/>
+            <a:ext cx="9071280" cy="2090880"/>
+          </a:xfrm>
+          <a:prstGeom prst="rect">
+            <a:avLst/>
+          </a:prstGeom>
+        </p:spPr>
+        <p:txBody>
+          <a:bodyPr lIns="0" rIns="0" tIns="0" bIns="0"/>
+          <a:p>
+            <a:endParaRPr b="0" lang="en-US" sz="3200" spc="-1" strike="noStrike">
+              <a:solidFill>
+                <a:srgbClr val="000000"/>
+              </a:solidFill>
+              <a:uFill>
+                <a:solidFill>
+                  <a:srgbClr val="ffffff"/>
+                </a:solidFill>
+              </a:uFill>
+              <a:latin typeface="Arial"/>
+            </a:endParaRPr>
+          </a:p>
+        </p:txBody>
+      </p:sp>
+    </p:spTree>
+  </p:cSld>
+</p:sldLayout>
+</file>
+
+<file path=ppt/slideLayouts/slideLayout23.xml><?xml version="1.0" encoding="utf-8"?>
+<p:sldLayout xmlns:a="http://schemas.openxmlformats.org/drawingml/2006/main" xmlns:p="http://schemas.openxmlformats.org/presentationml/2006/main" xmlns:r="http://schemas.openxmlformats.org/officeDocument/2006/relationships" xmlns:p14="http://schemas.microsoft.com/office/powerpoint/2010/main" xmlns:p15="http://schemas.microsoft.com/office/powerpoint/2012/main" xmlns:mc="http://schemas.openxmlformats.org/markup-compatibility/2006" type="fourObj" preserve="1">
+  <p:cSld name="Title, 4 Content">
+    <p:spTree>
+      <p:nvGrpSpPr>
+        <p:cNvPr id="1" name=""/>
+        <p:cNvGrpSpPr/>
+        <p:nvPr/>
+      </p:nvGrpSpPr>
+      <p:grpSpPr>
+        <a:xfrm>
+          <a:off x="0" y="0"/>
+          <a:ext cx="0" cy="0"/>
+          <a:chOff x="0" y="0"/>
+          <a:chExt cx="0" cy="0"/>
+        </a:xfrm>
+      </p:grpSpPr>
+      <p:sp>
+        <p:nvSpPr>
+          <p:cNvPr id="62" name="PlaceHolder 1"/>
+          <p:cNvSpPr>
+            <a:spLocks noGrp="1"/>
+          </p:cNvSpPr>
+          <p:nvPr>
+            <p:ph type="title"/>
+          </p:nvPr>
+        </p:nvSpPr>
+        <p:spPr>
+          <a:xfrm>
+            <a:off x="504000" y="301320"/>
+            <a:ext cx="9071280" cy="1261800"/>
+          </a:xfrm>
+          <a:prstGeom prst="rect">
+            <a:avLst/>
+          </a:prstGeom>
+        </p:spPr>
+        <p:txBody>
+          <a:bodyPr lIns="0" rIns="0" tIns="0" bIns="0" anchor="ctr"/>
+          <a:p>
+            <a:pPr algn="ctr"/>
+            <a:endParaRPr b="0" lang="en-US" sz="4400" spc="-1" strike="noStrike">
+              <a:solidFill>
+                <a:srgbClr val="000000"/>
+              </a:solidFill>
+              <a:uFill>
+                <a:solidFill>
+                  <a:srgbClr val="ffffff"/>
+                </a:solidFill>
+              </a:uFill>
+              <a:latin typeface="Arial"/>
+            </a:endParaRPr>
+          </a:p>
+        </p:txBody>
+      </p:sp>
+      <p:sp>
+        <p:nvSpPr>
+          <p:cNvPr id="63" name="PlaceHolder 2"/>
+          <p:cNvSpPr>
+            <a:spLocks noGrp="1"/>
+          </p:cNvSpPr>
+          <p:nvPr>
+            <p:ph type="body"/>
+          </p:nvPr>
+        </p:nvSpPr>
+        <p:spPr>
+          <a:xfrm>
+            <a:off x="504000" y="1769040"/>
+            <a:ext cx="4426560" cy="2090880"/>
+          </a:xfrm>
+          <a:prstGeom prst="rect">
+            <a:avLst/>
+          </a:prstGeom>
+        </p:spPr>
+        <p:txBody>
+          <a:bodyPr lIns="0" rIns="0" tIns="0" bIns="0"/>
+          <a:p>
+            <a:endParaRPr b="0" lang="en-US" sz="3200" spc="-1" strike="noStrike">
+              <a:solidFill>
+                <a:srgbClr val="000000"/>
+              </a:solidFill>
+              <a:uFill>
+                <a:solidFill>
+                  <a:srgbClr val="ffffff"/>
+                </a:solidFill>
+              </a:uFill>
+              <a:latin typeface="Arial"/>
+            </a:endParaRPr>
+          </a:p>
+        </p:txBody>
+      </p:sp>
+      <p:sp>
+        <p:nvSpPr>
+          <p:cNvPr id="64" name="PlaceHolder 3"/>
+          <p:cNvSpPr>
+            <a:spLocks noGrp="1"/>
+          </p:cNvSpPr>
+          <p:nvPr>
+            <p:ph type="body"/>
+          </p:nvPr>
+        </p:nvSpPr>
+        <p:spPr>
+          <a:xfrm>
+            <a:off x="5152320" y="1769040"/>
+            <a:ext cx="4426560" cy="2090880"/>
+          </a:xfrm>
+          <a:prstGeom prst="rect">
+            <a:avLst/>
+          </a:prstGeom>
+        </p:spPr>
+        <p:txBody>
+          <a:bodyPr lIns="0" rIns="0" tIns="0" bIns="0"/>
+          <a:p>
+            <a:endParaRPr b="0" lang="en-US" sz="3200" spc="-1" strike="noStrike">
+              <a:solidFill>
+                <a:srgbClr val="000000"/>
+              </a:solidFill>
+              <a:uFill>
+                <a:solidFill>
+                  <a:srgbClr val="ffffff"/>
+                </a:solidFill>
+              </a:uFill>
+              <a:latin typeface="Arial"/>
+            </a:endParaRPr>
+          </a:p>
+        </p:txBody>
+      </p:sp>
+      <p:sp>
+        <p:nvSpPr>
+          <p:cNvPr id="65" name="PlaceHolder 4"/>
+          <p:cNvSpPr>
+            <a:spLocks noGrp="1"/>
+          </p:cNvSpPr>
+          <p:nvPr>
+            <p:ph type="body"/>
+          </p:nvPr>
+        </p:nvSpPr>
+        <p:spPr>
+          <a:xfrm>
+            <a:off x="5152320" y="4059000"/>
+            <a:ext cx="4426560" cy="2090880"/>
+          </a:xfrm>
+          <a:prstGeom prst="rect">
+            <a:avLst/>
+          </a:prstGeom>
+        </p:spPr>
+        <p:txBody>
+          <a:bodyPr lIns="0" rIns="0" tIns="0" bIns="0"/>
+          <a:p>
+            <a:endParaRPr b="0" lang="en-US" sz="3200" spc="-1" strike="noStrike">
+              <a:solidFill>
+                <a:srgbClr val="000000"/>
+              </a:solidFill>
+              <a:uFill>
+                <a:solidFill>
+                  <a:srgbClr val="ffffff"/>
+                </a:solidFill>
+              </a:uFill>
+              <a:latin typeface="Arial"/>
+            </a:endParaRPr>
+          </a:p>
+        </p:txBody>
+      </p:sp>
+      <p:sp>
+        <p:nvSpPr>
+          <p:cNvPr id="66" name="PlaceHolder 5"/>
+          <p:cNvSpPr>
+            <a:spLocks noGrp="1"/>
+          </p:cNvSpPr>
+          <p:nvPr>
+            <p:ph type="body"/>
+          </p:nvPr>
+        </p:nvSpPr>
+        <p:spPr>
+          <a:xfrm>
+            <a:off x="504000" y="4059000"/>
+            <a:ext cx="4426560" cy="2090880"/>
+          </a:xfrm>
+          <a:prstGeom prst="rect">
+            <a:avLst/>
+          </a:prstGeom>
+        </p:spPr>
+        <p:txBody>
+          <a:bodyPr lIns="0" rIns="0" tIns="0" bIns="0"/>
+          <a:p>
+            <a:endParaRPr b="0" lang="en-US" sz="3200" spc="-1" strike="noStrike">
+              <a:solidFill>
+                <a:srgbClr val="000000"/>
+              </a:solidFill>
+              <a:uFill>
+                <a:solidFill>
+                  <a:srgbClr val="ffffff"/>
+                </a:solidFill>
+              </a:uFill>
+              <a:latin typeface="Arial"/>
+            </a:endParaRPr>
+          </a:p>
+        </p:txBody>
+      </p:sp>
+    </p:spTree>
+  </p:cSld>
+</p:sldLayout>
+</file>
+
+<file path=ppt/slideLayouts/slideLayout24.xml><?xml version="1.0" encoding="utf-8"?>
+<p:sldLayout xmlns:a="http://schemas.openxmlformats.org/drawingml/2006/main" xmlns:p="http://schemas.openxmlformats.org/presentationml/2006/main" xmlns:r="http://schemas.openxmlformats.org/officeDocument/2006/relationships" xmlns:p14="http://schemas.microsoft.com/office/powerpoint/2010/main" xmlns:p15="http://schemas.microsoft.com/office/powerpoint/2012/main" xmlns:mc="http://schemas.openxmlformats.org/markup-compatibility/2006" type="blank" preserve="1">
+  <p:cSld name="Title, 6 Content">
+    <p:spTree>
+      <p:nvGrpSpPr>
+        <p:cNvPr id="1" name=""/>
+        <p:cNvGrpSpPr/>
+        <p:nvPr/>
+      </p:nvGrpSpPr>
+      <p:grpSpPr>
+        <a:xfrm>
+          <a:off x="0" y="0"/>
+          <a:ext cx="0" cy="0"/>
+          <a:chOff x="0" y="0"/>
+          <a:chExt cx="0" cy="0"/>
+        </a:xfrm>
+      </p:grpSpPr>
+      <p:sp>
+        <p:nvSpPr>
+          <p:cNvPr id="67" name="PlaceHolder 1"/>
+          <p:cNvSpPr>
+            <a:spLocks noGrp="1"/>
+          </p:cNvSpPr>
+          <p:nvPr>
+            <p:ph type="title"/>
+          </p:nvPr>
+        </p:nvSpPr>
+        <p:spPr>
+          <a:xfrm>
+            <a:off x="504000" y="301320"/>
+            <a:ext cx="9071280" cy="1261800"/>
+          </a:xfrm>
+          <a:prstGeom prst="rect">
+            <a:avLst/>
+          </a:prstGeom>
+        </p:spPr>
+        <p:txBody>
+          <a:bodyPr lIns="0" rIns="0" tIns="0" bIns="0" anchor="ctr"/>
+          <a:p>
+            <a:pPr algn="ctr"/>
+            <a:endParaRPr b="0" lang="en-US" sz="4400" spc="-1" strike="noStrike">
+              <a:solidFill>
+                <a:srgbClr val="000000"/>
+              </a:solidFill>
+              <a:uFill>
+                <a:solidFill>
+                  <a:srgbClr val="ffffff"/>
+                </a:solidFill>
+              </a:uFill>
+              <a:latin typeface="Arial"/>
+            </a:endParaRPr>
+          </a:p>
+        </p:txBody>
+      </p:sp>
+      <p:sp>
+        <p:nvSpPr>
+          <p:cNvPr id="68" name="PlaceHolder 2"/>
+          <p:cNvSpPr>
+            <a:spLocks noGrp="1"/>
+          </p:cNvSpPr>
+          <p:nvPr>
+            <p:ph type="body"/>
+          </p:nvPr>
+        </p:nvSpPr>
+        <p:spPr>
+          <a:xfrm>
+            <a:off x="504000" y="1769040"/>
+            <a:ext cx="9071280" cy="4384080"/>
+          </a:xfrm>
+          <a:prstGeom prst="rect">
+            <a:avLst/>
+          </a:prstGeom>
+        </p:spPr>
+        <p:txBody>
+          <a:bodyPr lIns="0" rIns="0" tIns="0" bIns="0"/>
+          <a:p>
+            <a:endParaRPr b="0" lang="en-US" sz="3200" spc="-1" strike="noStrike">
+              <a:solidFill>
+                <a:srgbClr val="000000"/>
+              </a:solidFill>
+              <a:uFill>
+                <a:solidFill>
+                  <a:srgbClr val="ffffff"/>
+                </a:solidFill>
+              </a:uFill>
+              <a:latin typeface="Arial"/>
+            </a:endParaRPr>
+          </a:p>
+        </p:txBody>
+      </p:sp>
+      <p:sp>
+        <p:nvSpPr>
+          <p:cNvPr id="69" name="PlaceHolder 3"/>
+          <p:cNvSpPr>
+            <a:spLocks noGrp="1"/>
+          </p:cNvSpPr>
+          <p:nvPr>
+            <p:ph type="body"/>
+          </p:nvPr>
+        </p:nvSpPr>
+        <p:spPr>
+          <a:xfrm>
+            <a:off x="504000" y="1769040"/>
+            <a:ext cx="9071280" cy="4384080"/>
+          </a:xfrm>
+          <a:prstGeom prst="rect">
+            <a:avLst/>
+          </a:prstGeom>
+        </p:spPr>
+        <p:txBody>
+          <a:bodyPr lIns="0" rIns="0" tIns="0" bIns="0"/>
+          <a:p>
+            <a:endParaRPr b="0" lang="en-US" sz="3200" spc="-1" strike="noStrike">
+              <a:solidFill>
+                <a:srgbClr val="000000"/>
+              </a:solidFill>
+              <a:uFill>
+                <a:solidFill>
+                  <a:srgbClr val="ffffff"/>
+                </a:solidFill>
+              </a:uFill>
+              <a:latin typeface="Arial"/>
+            </a:endParaRPr>
+          </a:p>
+        </p:txBody>
+      </p:sp>
+      <p:pic>
+        <p:nvPicPr>
+          <p:cNvPr id="70" name="" descr=""/>
+          <p:cNvPicPr/>
+          <p:nvPr/>
+        </p:nvPicPr>
+        <p:blipFill>
+          <a:blip r:embed="rId2"/>
+          <a:stretch/>
+        </p:blipFill>
+        <p:spPr>
+          <a:xfrm>
+            <a:off x="2292120" y="1769040"/>
+            <a:ext cx="5494680" cy="4384080"/>
+          </a:xfrm>
+          <a:prstGeom prst="rect">
+            <a:avLst/>
+          </a:prstGeom>
+          <a:ln>
+            <a:noFill/>
+          </a:ln>
+        </p:spPr>
+      </p:pic>
+      <p:pic>
+        <p:nvPicPr>
+          <p:cNvPr id="71" name="" descr=""/>
+          <p:cNvPicPr/>
+          <p:nvPr/>
+        </p:nvPicPr>
+        <p:blipFill>
+          <a:blip r:embed="rId3"/>
+          <a:stretch/>
+        </p:blipFill>
+        <p:spPr>
+          <a:xfrm>
+            <a:off x="2292120" y="1769040"/>
+            <a:ext cx="5494680" cy="4384080"/>
+          </a:xfrm>
+          <a:prstGeom prst="rect">
+            <a:avLst/>
+          </a:prstGeom>
+          <a:ln>
+            <a:noFill/>
+          </a:ln>
+        </p:spPr>
+      </p:pic>
     </p:spTree>
   </p:cSld>
 </p:sldLayout>
@@ -671,7 +2146,7 @@
       </p:grpSpPr>
       <p:sp>
         <p:nvSpPr>
-          <p:cNvPr id="7" name="PlaceHolder 1"/>
+          <p:cNvPr id="4" name="PlaceHolder 1"/>
           <p:cNvSpPr>
             <a:spLocks noGrp="1"/>
           </p:cNvSpPr>
@@ -682,7 +2157,7 @@
         <p:spPr>
           <a:xfrm>
             <a:off x="504000" y="301320"/>
-            <a:ext cx="9071640" cy="1262160"/>
+            <a:ext cx="9071280" cy="1261800"/>
           </a:xfrm>
           <a:prstGeom prst="rect">
             <a:avLst/>
@@ -708,7 +2183,7 @@
       </p:sp>
       <p:sp>
         <p:nvSpPr>
-          <p:cNvPr id="8" name="PlaceHolder 2"/>
+          <p:cNvPr id="5" name="PlaceHolder 2"/>
           <p:cNvSpPr>
             <a:spLocks noGrp="1"/>
           </p:cNvSpPr>
@@ -719,7 +2194,7 @@
         <p:spPr>
           <a:xfrm>
             <a:off x="504000" y="1769040"/>
-            <a:ext cx="9071640" cy="4384440"/>
+            <a:ext cx="9071280" cy="4384080"/>
           </a:xfrm>
           <a:prstGeom prst="rect">
             <a:avLst/>
@@ -766,7 +2241,7 @@
       </p:grpSpPr>
       <p:sp>
         <p:nvSpPr>
-          <p:cNvPr id="9" name="PlaceHolder 1"/>
+          <p:cNvPr id="6" name="PlaceHolder 1"/>
           <p:cNvSpPr>
             <a:spLocks noGrp="1"/>
           </p:cNvSpPr>
@@ -777,7 +2252,7 @@
         <p:spPr>
           <a:xfrm>
             <a:off x="504000" y="301320"/>
-            <a:ext cx="9071640" cy="1262160"/>
+            <a:ext cx="9071280" cy="1261800"/>
           </a:xfrm>
           <a:prstGeom prst="rect">
             <a:avLst/>
@@ -803,7 +2278,7 @@
       </p:sp>
       <p:sp>
         <p:nvSpPr>
-          <p:cNvPr id="10" name="PlaceHolder 2"/>
+          <p:cNvPr id="7" name="PlaceHolder 2"/>
           <p:cNvSpPr>
             <a:spLocks noGrp="1"/>
           </p:cNvSpPr>
@@ -814,7 +2289,7 @@
         <p:spPr>
           <a:xfrm>
             <a:off x="504000" y="1769040"/>
-            <a:ext cx="4426920" cy="4384440"/>
+            <a:ext cx="4426560" cy="4384080"/>
           </a:xfrm>
           <a:prstGeom prst="rect">
             <a:avLst/>
@@ -839,7 +2314,7 @@
       </p:sp>
       <p:sp>
         <p:nvSpPr>
-          <p:cNvPr id="11" name="PlaceHolder 3"/>
+          <p:cNvPr id="8" name="PlaceHolder 3"/>
           <p:cNvSpPr>
             <a:spLocks noGrp="1"/>
           </p:cNvSpPr>
@@ -849,8 +2324,8 @@
         </p:nvSpPr>
         <p:spPr>
           <a:xfrm>
-            <a:off x="5152680" y="1769040"/>
-            <a:ext cx="4426920" cy="4384440"/>
+            <a:off x="5152320" y="1769040"/>
+            <a:ext cx="4426560" cy="4384080"/>
           </a:xfrm>
           <a:prstGeom prst="rect">
             <a:avLst/>
@@ -897,7 +2372,7 @@
       </p:grpSpPr>
       <p:sp>
         <p:nvSpPr>
-          <p:cNvPr id="12" name="PlaceHolder 1"/>
+          <p:cNvPr id="9" name="PlaceHolder 1"/>
           <p:cNvSpPr>
             <a:spLocks noGrp="1"/>
           </p:cNvSpPr>
@@ -908,7 +2383,7 @@
         <p:spPr>
           <a:xfrm>
             <a:off x="504000" y="301320"/>
-            <a:ext cx="9071640" cy="1262160"/>
+            <a:ext cx="9071280" cy="1261800"/>
           </a:xfrm>
           <a:prstGeom prst="rect">
             <a:avLst/>
@@ -956,7 +2431,7 @@
       </p:grpSpPr>
       <p:sp>
         <p:nvSpPr>
-          <p:cNvPr id="13" name="PlaceHolder 1"/>
+          <p:cNvPr id="10" name="PlaceHolder 1"/>
           <p:cNvSpPr>
             <a:spLocks noGrp="1"/>
           </p:cNvSpPr>
@@ -967,7 +2442,7 @@
         <p:spPr>
           <a:xfrm>
             <a:off x="504000" y="301320"/>
-            <a:ext cx="9071640" cy="5851800"/>
+            <a:ext cx="9071280" cy="5850360"/>
           </a:xfrm>
           <a:prstGeom prst="rect">
             <a:avLst/>
@@ -1015,7 +2490,7 @@
       </p:grpSpPr>
       <p:sp>
         <p:nvSpPr>
-          <p:cNvPr id="14" name="PlaceHolder 1"/>
+          <p:cNvPr id="11" name="PlaceHolder 1"/>
           <p:cNvSpPr>
             <a:spLocks noGrp="1"/>
           </p:cNvSpPr>
@@ -1026,7 +2501,7 @@
         <p:spPr>
           <a:xfrm>
             <a:off x="504000" y="301320"/>
-            <a:ext cx="9071640" cy="1262160"/>
+            <a:ext cx="9071280" cy="1261800"/>
           </a:xfrm>
           <a:prstGeom prst="rect">
             <a:avLst/>
@@ -1052,7 +2527,7 @@
       </p:sp>
       <p:sp>
         <p:nvSpPr>
-          <p:cNvPr id="15" name="PlaceHolder 2"/>
+          <p:cNvPr id="12" name="PlaceHolder 2"/>
           <p:cNvSpPr>
             <a:spLocks noGrp="1"/>
           </p:cNvSpPr>
@@ -1063,7 +2538,7 @@
         <p:spPr>
           <a:xfrm>
             <a:off x="504000" y="1769040"/>
-            <a:ext cx="4426920" cy="2091240"/>
+            <a:ext cx="4426560" cy="2090880"/>
           </a:xfrm>
           <a:prstGeom prst="rect">
             <a:avLst/>
@@ -1088,7 +2563,7 @@
       </p:sp>
       <p:sp>
         <p:nvSpPr>
-          <p:cNvPr id="16" name="PlaceHolder 3"/>
+          <p:cNvPr id="13" name="PlaceHolder 3"/>
           <p:cNvSpPr>
             <a:spLocks noGrp="1"/>
           </p:cNvSpPr>
@@ -1098,8 +2573,8 @@
         </p:nvSpPr>
         <p:spPr>
           <a:xfrm>
-            <a:off x="504000" y="4059360"/>
-            <a:ext cx="4426920" cy="2091240"/>
+            <a:off x="504000" y="4059000"/>
+            <a:ext cx="4426560" cy="2090880"/>
           </a:xfrm>
           <a:prstGeom prst="rect">
             <a:avLst/>
@@ -1124,7 +2599,7 @@
       </p:sp>
       <p:sp>
         <p:nvSpPr>
-          <p:cNvPr id="17" name="PlaceHolder 4"/>
+          <p:cNvPr id="14" name="PlaceHolder 4"/>
           <p:cNvSpPr>
             <a:spLocks noGrp="1"/>
           </p:cNvSpPr>
@@ -1134,8 +2609,8 @@
         </p:nvSpPr>
         <p:spPr>
           <a:xfrm>
-            <a:off x="5152680" y="1769040"/>
-            <a:ext cx="4426920" cy="4384440"/>
+            <a:off x="5152320" y="1769040"/>
+            <a:ext cx="4426560" cy="4384080"/>
           </a:xfrm>
           <a:prstGeom prst="rect">
             <a:avLst/>
@@ -1182,7 +2657,7 @@
       </p:grpSpPr>
       <p:sp>
         <p:nvSpPr>
-          <p:cNvPr id="18" name="PlaceHolder 1"/>
+          <p:cNvPr id="15" name="PlaceHolder 1"/>
           <p:cNvSpPr>
             <a:spLocks noGrp="1"/>
           </p:cNvSpPr>
@@ -1193,7 +2668,7 @@
         <p:spPr>
           <a:xfrm>
             <a:off x="504000" y="301320"/>
-            <a:ext cx="9071640" cy="1262160"/>
+            <a:ext cx="9071280" cy="1261800"/>
           </a:xfrm>
           <a:prstGeom prst="rect">
             <a:avLst/>
@@ -1219,7 +2694,7 @@
       </p:sp>
       <p:sp>
         <p:nvSpPr>
-          <p:cNvPr id="19" name="PlaceHolder 2"/>
+          <p:cNvPr id="16" name="PlaceHolder 2"/>
           <p:cNvSpPr>
             <a:spLocks noGrp="1"/>
           </p:cNvSpPr>
@@ -1230,7 +2705,7 @@
         <p:spPr>
           <a:xfrm>
             <a:off x="504000" y="1769040"/>
-            <a:ext cx="4426920" cy="4384440"/>
+            <a:ext cx="4426560" cy="4384080"/>
           </a:xfrm>
           <a:prstGeom prst="rect">
             <a:avLst/>
@@ -1255,7 +2730,7 @@
       </p:sp>
       <p:sp>
         <p:nvSpPr>
-          <p:cNvPr id="20" name="PlaceHolder 3"/>
+          <p:cNvPr id="17" name="PlaceHolder 3"/>
           <p:cNvSpPr>
             <a:spLocks noGrp="1"/>
           </p:cNvSpPr>
@@ -1265,8 +2740,8 @@
         </p:nvSpPr>
         <p:spPr>
           <a:xfrm>
-            <a:off x="5152680" y="1769040"/>
-            <a:ext cx="4426920" cy="2091240"/>
+            <a:off x="5152320" y="1769040"/>
+            <a:ext cx="4426560" cy="2090880"/>
           </a:xfrm>
           <a:prstGeom prst="rect">
             <a:avLst/>
@@ -1291,7 +2766,7 @@
       </p:sp>
       <p:sp>
         <p:nvSpPr>
-          <p:cNvPr id="21" name="PlaceHolder 4"/>
+          <p:cNvPr id="18" name="PlaceHolder 4"/>
           <p:cNvSpPr>
             <a:spLocks noGrp="1"/>
           </p:cNvSpPr>
@@ -1301,8 +2776,8 @@
         </p:nvSpPr>
         <p:spPr>
           <a:xfrm>
-            <a:off x="5152680" y="4059360"/>
-            <a:ext cx="4426920" cy="2091240"/>
+            <a:off x="5152320" y="4059000"/>
+            <a:ext cx="4426560" cy="2090880"/>
           </a:xfrm>
           <a:prstGeom prst="rect">
             <a:avLst/>
@@ -1349,7 +2824,7 @@
       </p:grpSpPr>
       <p:sp>
         <p:nvSpPr>
-          <p:cNvPr id="22" name="PlaceHolder 1"/>
+          <p:cNvPr id="19" name="PlaceHolder 1"/>
           <p:cNvSpPr>
             <a:spLocks noGrp="1"/>
           </p:cNvSpPr>
@@ -1360,7 +2835,7 @@
         <p:spPr>
           <a:xfrm>
             <a:off x="504000" y="301320"/>
-            <a:ext cx="9071640" cy="1262160"/>
+            <a:ext cx="9071280" cy="1261800"/>
           </a:xfrm>
           <a:prstGeom prst="rect">
             <a:avLst/>
@@ -1386,7 +2861,7 @@
       </p:sp>
       <p:sp>
         <p:nvSpPr>
-          <p:cNvPr id="23" name="PlaceHolder 2"/>
+          <p:cNvPr id="20" name="PlaceHolder 2"/>
           <p:cNvSpPr>
             <a:spLocks noGrp="1"/>
           </p:cNvSpPr>
@@ -1397,7 +2872,7 @@
         <p:spPr>
           <a:xfrm>
             <a:off x="504000" y="1769040"/>
-            <a:ext cx="4426920" cy="2091240"/>
+            <a:ext cx="4426560" cy="2090880"/>
           </a:xfrm>
           <a:prstGeom prst="rect">
             <a:avLst/>
@@ -1422,7 +2897,7 @@
       </p:sp>
       <p:sp>
         <p:nvSpPr>
-          <p:cNvPr id="24" name="PlaceHolder 3"/>
+          <p:cNvPr id="21" name="PlaceHolder 3"/>
           <p:cNvSpPr>
             <a:spLocks noGrp="1"/>
           </p:cNvSpPr>
@@ -1432,8 +2907,8 @@
         </p:nvSpPr>
         <p:spPr>
           <a:xfrm>
-            <a:off x="5152680" y="1769040"/>
-            <a:ext cx="4426920" cy="2091240"/>
+            <a:off x="5152320" y="1769040"/>
+            <a:ext cx="4426560" cy="2090880"/>
           </a:xfrm>
           <a:prstGeom prst="rect">
             <a:avLst/>
@@ -1458,7 +2933,7 @@
       </p:sp>
       <p:sp>
         <p:nvSpPr>
-          <p:cNvPr id="25" name="PlaceHolder 4"/>
+          <p:cNvPr id="22" name="PlaceHolder 4"/>
           <p:cNvSpPr>
             <a:spLocks noGrp="1"/>
           </p:cNvSpPr>
@@ -1468,8 +2943,8 @@
         </p:nvSpPr>
         <p:spPr>
           <a:xfrm>
-            <a:off x="504000" y="4059360"/>
-            <a:ext cx="9071640" cy="2091240"/>
+            <a:off x="504000" y="4059000"/>
+            <a:ext cx="9071280" cy="2090880"/>
           </a:xfrm>
           <a:prstGeom prst="rect">
             <a:avLst/>
@@ -1527,7 +3002,7 @@
         <p:spPr>
           <a:xfrm>
             <a:off x="504000" y="301320"/>
-            <a:ext cx="9071640" cy="1262160"/>
+            <a:ext cx="9071280" cy="1261800"/>
           </a:xfrm>
           <a:prstGeom prst="rect">
             <a:avLst/>
@@ -1537,20 +3012,6 @@
           <a:bodyPr lIns="0" rIns="0" tIns="0" bIns="0" anchor="ctr"/>
           <a:p>
             <a:pPr algn="ctr"/>
-            <a:r>
-              <a:rPr b="0" lang="en-US" sz="4400" spc="-1" strike="noStrike">
-                <a:solidFill>
-                  <a:srgbClr val="000000"/>
-                </a:solidFill>
-                <a:uFill>
-                  <a:solidFill>
-                    <a:srgbClr val="ffffff"/>
-                  </a:solidFill>
-                </a:uFill>
-                <a:latin typeface="Arial"/>
-              </a:rPr>
-              <a:t>Click to edit the title text format</a:t>
-            </a:r>
             <a:endParaRPr b="0" lang="en-US" sz="4400" spc="-1" strike="noStrike">
               <a:solidFill>
                 <a:srgbClr val="000000"/>
@@ -1577,8 +3038,8 @@
         </p:nvSpPr>
         <p:spPr>
           <a:xfrm>
-            <a:off x="504000" y="1769040"/>
-            <a:ext cx="9071640" cy="4384440"/>
+            <a:off x="504000" y="1768680"/>
+            <a:ext cx="9072000" cy="4384080"/>
           </a:xfrm>
           <a:prstGeom prst="rect">
             <a:avLst/>
@@ -1829,158 +3290,6 @@
                 </a:solidFill>
               </a:uFill>
               <a:latin typeface="Arial"/>
-            </a:endParaRPr>
-          </a:p>
-        </p:txBody>
-      </p:sp>
-      <p:sp>
-        <p:nvSpPr>
-          <p:cNvPr id="2" name="PlaceHolder 3"/>
-          <p:cNvSpPr>
-            <a:spLocks noGrp="1"/>
-          </p:cNvSpPr>
-          <p:nvPr>
-            <p:ph type="dt"/>
-          </p:nvPr>
-        </p:nvSpPr>
-        <p:spPr>
-          <a:xfrm>
-            <a:off x="504000" y="6887160"/>
-            <a:ext cx="2348280" cy="521280"/>
-          </a:xfrm>
-          <a:prstGeom prst="rect">
-            <a:avLst/>
-          </a:prstGeom>
-        </p:spPr>
-        <p:txBody>
-          <a:bodyPr lIns="0" rIns="0" tIns="0" bIns="0"/>
-          <a:p>
-            <a:r>
-              <a:rPr b="0" lang="en-US" sz="1400" spc="-1" strike="noStrike">
-                <a:solidFill>
-                  <a:srgbClr val="000000"/>
-                </a:solidFill>
-                <a:uFill>
-                  <a:solidFill>
-                    <a:srgbClr val="ffffff"/>
-                  </a:solidFill>
-                </a:uFill>
-                <a:latin typeface="Times New Roman"/>
-              </a:rPr>
-              <a:t>&lt;date/time&gt;</a:t>
-            </a:r>
-            <a:endParaRPr b="0" lang="en-US" sz="1400" spc="-1" strike="noStrike">
-              <a:solidFill>
-                <a:srgbClr val="000000"/>
-              </a:solidFill>
-              <a:uFill>
-                <a:solidFill>
-                  <a:srgbClr val="ffffff"/>
-                </a:solidFill>
-              </a:uFill>
-              <a:latin typeface="Times New Roman"/>
-            </a:endParaRPr>
-          </a:p>
-        </p:txBody>
-      </p:sp>
-      <p:sp>
-        <p:nvSpPr>
-          <p:cNvPr id="3" name="PlaceHolder 4"/>
-          <p:cNvSpPr>
-            <a:spLocks noGrp="1"/>
-          </p:cNvSpPr>
-          <p:nvPr>
-            <p:ph type="ftr"/>
-          </p:nvPr>
-        </p:nvSpPr>
-        <p:spPr>
-          <a:xfrm>
-            <a:off x="3447360" y="6887160"/>
-            <a:ext cx="3195000" cy="521280"/>
-          </a:xfrm>
-          <a:prstGeom prst="rect">
-            <a:avLst/>
-          </a:prstGeom>
-        </p:spPr>
-        <p:txBody>
-          <a:bodyPr lIns="0" rIns="0" tIns="0" bIns="0"/>
-          <a:p>
-            <a:pPr algn="ctr"/>
-            <a:r>
-              <a:rPr b="0" lang="en-US" sz="1400" spc="-1" strike="noStrike">
-                <a:solidFill>
-                  <a:srgbClr val="000000"/>
-                </a:solidFill>
-                <a:uFill>
-                  <a:solidFill>
-                    <a:srgbClr val="ffffff"/>
-                  </a:solidFill>
-                </a:uFill>
-                <a:latin typeface="Times New Roman"/>
-              </a:rPr>
-              <a:t>&lt;footer&gt;</a:t>
-            </a:r>
-            <a:endParaRPr b="0" lang="en-US" sz="1400" spc="-1" strike="noStrike">
-              <a:solidFill>
-                <a:srgbClr val="000000"/>
-              </a:solidFill>
-              <a:uFill>
-                <a:solidFill>
-                  <a:srgbClr val="ffffff"/>
-                </a:solidFill>
-              </a:uFill>
-              <a:latin typeface="Times New Roman"/>
-            </a:endParaRPr>
-          </a:p>
-        </p:txBody>
-      </p:sp>
-      <p:sp>
-        <p:nvSpPr>
-          <p:cNvPr id="4" name="PlaceHolder 5"/>
-          <p:cNvSpPr>
-            <a:spLocks noGrp="1"/>
-          </p:cNvSpPr>
-          <p:nvPr>
-            <p:ph type="sldNum"/>
-          </p:nvPr>
-        </p:nvSpPr>
-        <p:spPr>
-          <a:xfrm>
-            <a:off x="7227360" y="6887160"/>
-            <a:ext cx="2348280" cy="521280"/>
-          </a:xfrm>
-          <a:prstGeom prst="rect">
-            <a:avLst/>
-          </a:prstGeom>
-        </p:spPr>
-        <p:txBody>
-          <a:bodyPr lIns="0" rIns="0" tIns="0" bIns="0"/>
-          <a:p>
-            <a:pPr algn="r"/>
-            <a:fld id="{72E85E6B-152E-4350-A9C2-F65EBB2268E3}" type="slidenum">
-              <a:rPr b="0" lang="en-US" sz="1400" spc="-1" strike="noStrike">
-                <a:solidFill>
-                  <a:srgbClr val="000000"/>
-                </a:solidFill>
-                <a:uFill>
-                  <a:solidFill>
-                    <a:srgbClr val="ffffff"/>
-                  </a:solidFill>
-                </a:uFill>
-                <a:latin typeface="Times New Roman"/>
-              </a:rPr>
-              <a:t>&lt;number&gt;</a:t>
-            </a:fld>
-            <a:endParaRPr b="0" lang="en-US" sz="1400" spc="-1" strike="noStrike">
-              <a:solidFill>
-                <a:srgbClr val="000000"/>
-              </a:solidFill>
-              <a:uFill>
-                <a:solidFill>
-                  <a:srgbClr val="ffffff"/>
-                </a:solidFill>
-              </a:uFill>
-              <a:latin typeface="Times New Roman"/>
             </a:endParaRPr>
           </a:p>
         </p:txBody>
@@ -2001,6 +3310,348 @@
     <p:sldLayoutId id="2147483658" r:id="rId11"/>
     <p:sldLayoutId id="2147483659" r:id="rId12"/>
     <p:sldLayoutId id="2147483660" r:id="rId13"/>
+  </p:sldLayoutIdLst>
+</p:sldMaster>
+</file>
+
+<file path=ppt/slideMasters/slideMaster2.xml><?xml version="1.0" encoding="utf-8"?>
+<p:sldMaster xmlns:a="http://schemas.openxmlformats.org/drawingml/2006/main" xmlns:p="http://schemas.openxmlformats.org/presentationml/2006/main" xmlns:r="http://schemas.openxmlformats.org/officeDocument/2006/relationships" xmlns:p14="http://schemas.microsoft.com/office/powerpoint/2010/main" xmlns:p15="http://schemas.microsoft.com/office/powerpoint/2012/main" xmlns:mc="http://schemas.openxmlformats.org/markup-compatibility/2006">
+  <p:cSld>
+    <p:spTree>
+      <p:nvGrpSpPr>
+        <p:cNvPr id="1" name=""/>
+        <p:cNvGrpSpPr/>
+        <p:nvPr/>
+      </p:nvGrpSpPr>
+      <p:grpSpPr>
+        <a:xfrm>
+          <a:off x="0" y="0"/>
+          <a:ext cx="0" cy="0"/>
+          <a:chOff x="0" y="0"/>
+          <a:chExt cx="0" cy="0"/>
+        </a:xfrm>
+      </p:grpSpPr>
+      <p:sp>
+        <p:nvSpPr>
+          <p:cNvPr id="36" name="PlaceHolder 1"/>
+          <p:cNvSpPr>
+            <a:spLocks noGrp="1"/>
+          </p:cNvSpPr>
+          <p:nvPr>
+            <p:ph type="title"/>
+          </p:nvPr>
+        </p:nvSpPr>
+        <p:spPr>
+          <a:xfrm>
+            <a:off x="504000" y="301320"/>
+            <a:ext cx="9071280" cy="1261800"/>
+          </a:xfrm>
+          <a:prstGeom prst="rect">
+            <a:avLst/>
+          </a:prstGeom>
+        </p:spPr>
+        <p:txBody>
+          <a:bodyPr lIns="0" rIns="0" tIns="0" bIns="0" anchor="ctr"/>
+          <a:p>
+            <a:pPr algn="ctr"/>
+            <a:endParaRPr b="0" lang="en-US" sz="4400" spc="-1" strike="noStrike">
+              <a:solidFill>
+                <a:srgbClr val="000000"/>
+              </a:solidFill>
+              <a:uFill>
+                <a:solidFill>
+                  <a:srgbClr val="ffffff"/>
+                </a:solidFill>
+              </a:uFill>
+              <a:latin typeface="Arial"/>
+            </a:endParaRPr>
+          </a:p>
+        </p:txBody>
+      </p:sp>
+      <p:sp>
+        <p:nvSpPr>
+          <p:cNvPr id="37" name="PlaceHolder 2"/>
+          <p:cNvSpPr>
+            <a:spLocks noGrp="1"/>
+          </p:cNvSpPr>
+          <p:nvPr>
+            <p:ph type="body"/>
+          </p:nvPr>
+        </p:nvSpPr>
+        <p:spPr>
+          <a:xfrm>
+            <a:off x="504000" y="1769040"/>
+            <a:ext cx="9071280" cy="4384080"/>
+          </a:xfrm>
+          <a:prstGeom prst="rect">
+            <a:avLst/>
+          </a:prstGeom>
+        </p:spPr>
+        <p:txBody>
+          <a:bodyPr lIns="0" rIns="0" tIns="0" bIns="0"/>
+          <a:p>
+            <a:pPr marL="432000" indent="-324000">
+              <a:buClr>
+                <a:srgbClr val="000000"/>
+              </a:buClr>
+              <a:buSzPct val="45000"/>
+              <a:buFont typeface="Wingdings" charset="2"/>
+              <a:buChar char=""/>
+            </a:pPr>
+            <a:r>
+              <a:rPr b="0" lang="en-US" sz="1800" spc="-1" strike="noStrike">
+                <a:solidFill>
+                  <a:srgbClr val="000000"/>
+                </a:solidFill>
+                <a:uFill>
+                  <a:solidFill>
+                    <a:srgbClr val="ffffff"/>
+                  </a:solidFill>
+                </a:uFill>
+                <a:latin typeface="Arial"/>
+              </a:rPr>
+              <a:t>Click to edit the outline text format</a:t>
+            </a:r>
+            <a:endParaRPr b="0" lang="en-US" sz="1800" spc="-1" strike="noStrike">
+              <a:solidFill>
+                <a:srgbClr val="000000"/>
+              </a:solidFill>
+              <a:uFill>
+                <a:solidFill>
+                  <a:srgbClr val="ffffff"/>
+                </a:solidFill>
+              </a:uFill>
+              <a:latin typeface="Arial"/>
+            </a:endParaRPr>
+          </a:p>
+          <a:p>
+            <a:pPr lvl="1" marL="864000" indent="-324000">
+              <a:buClr>
+                <a:srgbClr val="000000"/>
+              </a:buClr>
+              <a:buSzPct val="75000"/>
+              <a:buFont typeface="Symbol" charset="2"/>
+              <a:buChar char=""/>
+            </a:pPr>
+            <a:r>
+              <a:rPr b="0" lang="en-US" sz="1800" spc="-1" strike="noStrike">
+                <a:solidFill>
+                  <a:srgbClr val="000000"/>
+                </a:solidFill>
+                <a:uFill>
+                  <a:solidFill>
+                    <a:srgbClr val="ffffff"/>
+                  </a:solidFill>
+                </a:uFill>
+                <a:latin typeface="Arial"/>
+              </a:rPr>
+              <a:t>Second Outline Level</a:t>
+            </a:r>
+            <a:endParaRPr b="0" lang="en-US" sz="1800" spc="-1" strike="noStrike">
+              <a:solidFill>
+                <a:srgbClr val="000000"/>
+              </a:solidFill>
+              <a:uFill>
+                <a:solidFill>
+                  <a:srgbClr val="ffffff"/>
+                </a:solidFill>
+              </a:uFill>
+              <a:latin typeface="Arial"/>
+            </a:endParaRPr>
+          </a:p>
+          <a:p>
+            <a:pPr lvl="2" marL="1296000" indent="-288000">
+              <a:buClr>
+                <a:srgbClr val="000000"/>
+              </a:buClr>
+              <a:buSzPct val="45000"/>
+              <a:buFont typeface="Wingdings" charset="2"/>
+              <a:buChar char=""/>
+            </a:pPr>
+            <a:r>
+              <a:rPr b="0" lang="en-US" sz="1800" spc="-1" strike="noStrike">
+                <a:solidFill>
+                  <a:srgbClr val="000000"/>
+                </a:solidFill>
+                <a:uFill>
+                  <a:solidFill>
+                    <a:srgbClr val="ffffff"/>
+                  </a:solidFill>
+                </a:uFill>
+                <a:latin typeface="Arial"/>
+              </a:rPr>
+              <a:t>Third Outline Level</a:t>
+            </a:r>
+            <a:endParaRPr b="0" lang="en-US" sz="1800" spc="-1" strike="noStrike">
+              <a:solidFill>
+                <a:srgbClr val="000000"/>
+              </a:solidFill>
+              <a:uFill>
+                <a:solidFill>
+                  <a:srgbClr val="ffffff"/>
+                </a:solidFill>
+              </a:uFill>
+              <a:latin typeface="Arial"/>
+            </a:endParaRPr>
+          </a:p>
+          <a:p>
+            <a:pPr lvl="3" marL="1728000" indent="-216000">
+              <a:buClr>
+                <a:srgbClr val="000000"/>
+              </a:buClr>
+              <a:buSzPct val="75000"/>
+              <a:buFont typeface="Symbol" charset="2"/>
+              <a:buChar char=""/>
+            </a:pPr>
+            <a:r>
+              <a:rPr b="0" lang="en-US" sz="1800" spc="-1" strike="noStrike">
+                <a:solidFill>
+                  <a:srgbClr val="000000"/>
+                </a:solidFill>
+                <a:uFill>
+                  <a:solidFill>
+                    <a:srgbClr val="ffffff"/>
+                  </a:solidFill>
+                </a:uFill>
+                <a:latin typeface="Arial"/>
+              </a:rPr>
+              <a:t>Fourth Outline Level</a:t>
+            </a:r>
+            <a:endParaRPr b="0" lang="en-US" sz="1800" spc="-1" strike="noStrike">
+              <a:solidFill>
+                <a:srgbClr val="000000"/>
+              </a:solidFill>
+              <a:uFill>
+                <a:solidFill>
+                  <a:srgbClr val="ffffff"/>
+                </a:solidFill>
+              </a:uFill>
+              <a:latin typeface="Arial"/>
+            </a:endParaRPr>
+          </a:p>
+          <a:p>
+            <a:pPr lvl="4" marL="2160000" indent="-216000">
+              <a:buClr>
+                <a:srgbClr val="000000"/>
+              </a:buClr>
+              <a:buSzPct val="45000"/>
+              <a:buFont typeface="Wingdings" charset="2"/>
+              <a:buChar char=""/>
+            </a:pPr>
+            <a:r>
+              <a:rPr b="0" lang="en-US" sz="1800" spc="-1" strike="noStrike">
+                <a:solidFill>
+                  <a:srgbClr val="000000"/>
+                </a:solidFill>
+                <a:uFill>
+                  <a:solidFill>
+                    <a:srgbClr val="ffffff"/>
+                  </a:solidFill>
+                </a:uFill>
+                <a:latin typeface="Arial"/>
+              </a:rPr>
+              <a:t>Fifth Outline Level</a:t>
+            </a:r>
+            <a:endParaRPr b="0" lang="en-US" sz="1800" spc="-1" strike="noStrike">
+              <a:solidFill>
+                <a:srgbClr val="000000"/>
+              </a:solidFill>
+              <a:uFill>
+                <a:solidFill>
+                  <a:srgbClr val="ffffff"/>
+                </a:solidFill>
+              </a:uFill>
+              <a:latin typeface="Arial"/>
+            </a:endParaRPr>
+          </a:p>
+          <a:p>
+            <a:pPr lvl="5" marL="2592000" indent="-216000">
+              <a:buClr>
+                <a:srgbClr val="000000"/>
+              </a:buClr>
+              <a:buSzPct val="45000"/>
+              <a:buFont typeface="Wingdings" charset="2"/>
+              <a:buChar char=""/>
+            </a:pPr>
+            <a:r>
+              <a:rPr b="0" lang="en-US" sz="1800" spc="-1" strike="noStrike">
+                <a:solidFill>
+                  <a:srgbClr val="000000"/>
+                </a:solidFill>
+                <a:uFill>
+                  <a:solidFill>
+                    <a:srgbClr val="ffffff"/>
+                  </a:solidFill>
+                </a:uFill>
+                <a:latin typeface="Arial"/>
+              </a:rPr>
+              <a:t>Sixth Outline Level</a:t>
+            </a:r>
+            <a:endParaRPr b="0" lang="en-US" sz="1800" spc="-1" strike="noStrike">
+              <a:solidFill>
+                <a:srgbClr val="000000"/>
+              </a:solidFill>
+              <a:uFill>
+                <a:solidFill>
+                  <a:srgbClr val="ffffff"/>
+                </a:solidFill>
+              </a:uFill>
+              <a:latin typeface="Arial"/>
+            </a:endParaRPr>
+          </a:p>
+          <a:p>
+            <a:pPr lvl="6" marL="3024000" indent="-216000">
+              <a:buClr>
+                <a:srgbClr val="000000"/>
+              </a:buClr>
+              <a:buSzPct val="45000"/>
+              <a:buFont typeface="Wingdings" charset="2"/>
+              <a:buChar char=""/>
+            </a:pPr>
+            <a:r>
+              <a:rPr b="0" lang="en-US" sz="1800" spc="-1" strike="noStrike">
+                <a:solidFill>
+                  <a:srgbClr val="000000"/>
+                </a:solidFill>
+                <a:uFill>
+                  <a:solidFill>
+                    <a:srgbClr val="ffffff"/>
+                  </a:solidFill>
+                </a:uFill>
+                <a:latin typeface="Arial"/>
+              </a:rPr>
+              <a:t>Seventh Outline Level</a:t>
+            </a:r>
+            <a:endParaRPr b="0" lang="en-US" sz="1800" spc="-1" strike="noStrike">
+              <a:solidFill>
+                <a:srgbClr val="000000"/>
+              </a:solidFill>
+              <a:uFill>
+                <a:solidFill>
+                  <a:srgbClr val="ffffff"/>
+                </a:solidFill>
+              </a:uFill>
+              <a:latin typeface="Arial"/>
+            </a:endParaRPr>
+          </a:p>
+        </p:txBody>
+      </p:sp>
+    </p:spTree>
+  </p:cSld>
+  <p:clrMap bg1="lt1" bg2="lt2" tx1="dk1" tx2="dk2" accent1="accent1" accent2="accent2" accent3="accent3" accent4="accent4" accent5="accent5" accent6="accent6" hlink="hlink" folHlink="folHlink"/>
+  <p:sldLayoutIdLst>
+    <p:sldLayoutId id="2147483662" r:id="rId2"/>
+    <p:sldLayoutId id="2147483663" r:id="rId3"/>
+    <p:sldLayoutId id="2147483664" r:id="rId4"/>
+    <p:sldLayoutId id="2147483665" r:id="rId5"/>
+    <p:sldLayoutId id="2147483666" r:id="rId6"/>
+    <p:sldLayoutId id="2147483667" r:id="rId7"/>
+    <p:sldLayoutId id="2147483668" r:id="rId8"/>
+    <p:sldLayoutId id="2147483669" r:id="rId9"/>
+    <p:sldLayoutId id="2147483670" r:id="rId10"/>
+    <p:sldLayoutId id="2147483671" r:id="rId11"/>
+    <p:sldLayoutId id="2147483672" r:id="rId12"/>
+    <p:sldLayoutId id="2147483673" r:id="rId13"/>
   </p:sldLayoutIdLst>
 </p:sldMaster>
 </file>
@@ -2024,14 +3675,14 @@
       </p:grpSpPr>
       <p:sp>
         <p:nvSpPr>
-          <p:cNvPr id="39" name="TextShape 1"/>
-          <p:cNvSpPr txBox="1"/>
+          <p:cNvPr id="72" name="CustomShape 1"/>
+          <p:cNvSpPr/>
           <p:nvPr/>
         </p:nvSpPr>
         <p:spPr>
           <a:xfrm>
             <a:off x="504000" y="301320"/>
-            <a:ext cx="9071640" cy="1262160"/>
+            <a:ext cx="9071280" cy="1261800"/>
           </a:xfrm>
           <a:prstGeom prst="rect">
             <a:avLst/>
@@ -2041,10 +3692,20 @@
             <a:noFill/>
           </a:ln>
         </p:spPr>
+        <p:style>
+          <a:lnRef idx="0"/>
+          <a:fillRef idx="0"/>
+          <a:effectRef idx="0"/>
+          <a:fontRef idx="minor"/>
+        </p:style>
         <p:txBody>
           <a:bodyPr lIns="0" rIns="0" tIns="0" bIns="0" anchor="ctr"/>
           <a:p>
-            <a:pPr algn="ctr"/>
+            <a:pPr algn="ctr">
+              <a:lnSpc>
+                <a:spcPct val="100000"/>
+              </a:lnSpc>
+            </a:pPr>
             <a:r>
               <a:rPr b="0" lang="en-US" sz="4400" spc="-1" strike="noStrike">
                 <a:solidFill>
@@ -2059,30 +3720,30 @@
               </a:rPr>
               <a:t>Środowisko DS w chmurze</a:t>
             </a:r>
-            <a:endParaRPr b="0" lang="en-US" sz="4400" spc="-1" strike="noStrike">
-              <a:solidFill>
-                <a:srgbClr val="000000"/>
-              </a:solidFill>
-              <a:uFill>
-                <a:solidFill>
-                  <a:srgbClr val="ffffff"/>
-                </a:solidFill>
-              </a:uFill>
-              <a:latin typeface="Arial"/>
-            </a:endParaRPr>
-          </a:p>
-        </p:txBody>
-      </p:sp>
-      <p:sp>
-        <p:nvSpPr>
-          <p:cNvPr id="40" name="TextShape 2"/>
-          <p:cNvSpPr txBox="1"/>
+            <a:endParaRPr b="0" lang="en-US" sz="1800" spc="-1" strike="noStrike">
+              <a:solidFill>
+                <a:srgbClr val="000000"/>
+              </a:solidFill>
+              <a:uFill>
+                <a:solidFill>
+                  <a:srgbClr val="ffffff"/>
+                </a:solidFill>
+              </a:uFill>
+              <a:latin typeface="Arial"/>
+            </a:endParaRPr>
+          </a:p>
+        </p:txBody>
+      </p:sp>
+      <p:sp>
+        <p:nvSpPr>
+          <p:cNvPr id="73" name="CustomShape 2"/>
+          <p:cNvSpPr/>
           <p:nvPr/>
         </p:nvSpPr>
         <p:spPr>
           <a:xfrm>
             <a:off x="504000" y="1769040"/>
-            <a:ext cx="9071640" cy="4384440"/>
+            <a:ext cx="9071280" cy="4384080"/>
           </a:xfrm>
           <a:prstGeom prst="rect">
             <a:avLst/>
@@ -2092,23 +3753,12 @@
             <a:noFill/>
           </a:ln>
         </p:spPr>
-        <p:txBody>
-          <a:bodyPr lIns="0" rIns="0" tIns="0" bIns="0" anchor="ctr"/>
-          <a:p>
-            <a:pPr algn="ctr"/>
-            <a:endParaRPr b="0" lang="en-US" sz="3200" spc="-1" strike="noStrike">
-              <a:solidFill>
-                <a:srgbClr val="000000"/>
-              </a:solidFill>
-              <a:uFill>
-                <a:solidFill>
-                  <a:srgbClr val="ffffff"/>
-                </a:solidFill>
-              </a:uFill>
-              <a:latin typeface="Arial"/>
-            </a:endParaRPr>
-          </a:p>
-        </p:txBody>
+        <p:style>
+          <a:lnRef idx="0"/>
+          <a:fillRef idx="0"/>
+          <a:effectRef idx="0"/>
+          <a:fontRef idx="minor"/>
+        </p:style>
       </p:sp>
     </p:spTree>
   </p:cSld>
@@ -2161,14 +3811,14 @@
       </p:grpSpPr>
       <p:sp>
         <p:nvSpPr>
-          <p:cNvPr id="59" name="TextShape 1"/>
-          <p:cNvSpPr txBox="1"/>
+          <p:cNvPr id="92" name="CustomShape 1"/>
+          <p:cNvSpPr/>
           <p:nvPr/>
         </p:nvSpPr>
         <p:spPr>
           <a:xfrm>
             <a:off x="504000" y="301320"/>
-            <a:ext cx="9071640" cy="1262160"/>
+            <a:ext cx="9071280" cy="1261800"/>
           </a:xfrm>
           <a:prstGeom prst="rect">
             <a:avLst/>
@@ -2178,10 +3828,20 @@
             <a:noFill/>
           </a:ln>
         </p:spPr>
+        <p:style>
+          <a:lnRef idx="0"/>
+          <a:fillRef idx="0"/>
+          <a:effectRef idx="0"/>
+          <a:fontRef idx="minor"/>
+        </p:style>
         <p:txBody>
           <a:bodyPr lIns="0" rIns="0" tIns="0" bIns="0" anchor="ctr"/>
           <a:p>
-            <a:pPr algn="ctr"/>
+            <a:pPr algn="ctr">
+              <a:lnSpc>
+                <a:spcPct val="100000"/>
+              </a:lnSpc>
+            </a:pPr>
             <a:r>
               <a:rPr b="0" lang="en-US" sz="4400" spc="-1" strike="noStrike">
                 <a:solidFill>
@@ -2196,30 +3856,30 @@
               </a:rPr>
               <a:t>Przykładowy projekt oparty o ML I Big Data</a:t>
             </a:r>
-            <a:endParaRPr b="0" lang="en-US" sz="4400" spc="-1" strike="noStrike">
-              <a:solidFill>
-                <a:srgbClr val="000000"/>
-              </a:solidFill>
-              <a:uFill>
-                <a:solidFill>
-                  <a:srgbClr val="ffffff"/>
-                </a:solidFill>
-              </a:uFill>
-              <a:latin typeface="Arial"/>
-            </a:endParaRPr>
-          </a:p>
-        </p:txBody>
-      </p:sp>
-      <p:sp>
-        <p:nvSpPr>
-          <p:cNvPr id="60" name="TextShape 2"/>
-          <p:cNvSpPr txBox="1"/>
+            <a:endParaRPr b="0" lang="en-US" sz="1800" spc="-1" strike="noStrike">
+              <a:solidFill>
+                <a:srgbClr val="000000"/>
+              </a:solidFill>
+              <a:uFill>
+                <a:solidFill>
+                  <a:srgbClr val="ffffff"/>
+                </a:solidFill>
+              </a:uFill>
+              <a:latin typeface="Arial"/>
+            </a:endParaRPr>
+          </a:p>
+        </p:txBody>
+      </p:sp>
+      <p:sp>
+        <p:nvSpPr>
+          <p:cNvPr id="93" name="CustomShape 2"/>
+          <p:cNvSpPr/>
           <p:nvPr/>
         </p:nvSpPr>
         <p:spPr>
           <a:xfrm>
             <a:off x="504000" y="1769040"/>
-            <a:ext cx="9071640" cy="4384440"/>
+            <a:ext cx="9071280" cy="4384080"/>
           </a:xfrm>
           <a:prstGeom prst="rect">
             <a:avLst/>
@@ -2229,10 +3889,19 @@
             <a:noFill/>
           </a:ln>
         </p:spPr>
+        <p:style>
+          <a:lnRef idx="0"/>
+          <a:fillRef idx="0"/>
+          <a:effectRef idx="0"/>
+          <a:fontRef idx="minor"/>
+        </p:style>
         <p:txBody>
           <a:bodyPr lIns="0" rIns="0" tIns="0" bIns="0"/>
           <a:p>
-            <a:pPr marL="432000" indent="-324000">
+            <a:pPr marL="432000" indent="-323640">
+              <a:lnSpc>
+                <a:spcPct val="100000"/>
+              </a:lnSpc>
               <a:buClr>
                 <a:srgbClr val="000000"/>
               </a:buClr>
@@ -2254,7 +3923,7 @@
               </a:rPr>
               <a:t>Tutaj demonstracja – datalab, tensorflow, cloud ml, model api</a:t>
             </a:r>
-            <a:endParaRPr b="0" lang="en-US" sz="3200" spc="-1" strike="noStrike">
+            <a:endParaRPr b="0" lang="en-US" sz="1800" spc="-1" strike="noStrike">
               <a:solidFill>
                 <a:srgbClr val="000000"/>
               </a:solidFill>
@@ -2319,14 +3988,14 @@
       </p:grpSpPr>
       <p:sp>
         <p:nvSpPr>
-          <p:cNvPr id="61" name="TextShape 1"/>
-          <p:cNvSpPr txBox="1"/>
+          <p:cNvPr id="94" name="CustomShape 1"/>
+          <p:cNvSpPr/>
           <p:nvPr/>
         </p:nvSpPr>
         <p:spPr>
           <a:xfrm>
             <a:off x="504000" y="301320"/>
-            <a:ext cx="9071640" cy="1262160"/>
+            <a:ext cx="9071280" cy="1261800"/>
           </a:xfrm>
           <a:prstGeom prst="rect">
             <a:avLst/>
@@ -2336,10 +4005,20 @@
             <a:noFill/>
           </a:ln>
         </p:spPr>
+        <p:style>
+          <a:lnRef idx="0"/>
+          <a:fillRef idx="0"/>
+          <a:effectRef idx="0"/>
+          <a:fontRef idx="minor"/>
+        </p:style>
         <p:txBody>
           <a:bodyPr lIns="0" rIns="0" tIns="0" bIns="0" anchor="ctr"/>
           <a:p>
-            <a:pPr algn="ctr"/>
+            <a:pPr algn="ctr">
+              <a:lnSpc>
+                <a:spcPct val="100000"/>
+              </a:lnSpc>
+            </a:pPr>
             <a:r>
               <a:rPr b="0" lang="en-US" sz="4400" spc="-1" strike="noStrike">
                 <a:solidFill>
@@ -2354,30 +4033,30 @@
               </a:rPr>
               <a:t>Ile to kosztuje?</a:t>
             </a:r>
-            <a:endParaRPr b="0" lang="en-US" sz="4400" spc="-1" strike="noStrike">
-              <a:solidFill>
-                <a:srgbClr val="000000"/>
-              </a:solidFill>
-              <a:uFill>
-                <a:solidFill>
-                  <a:srgbClr val="ffffff"/>
-                </a:solidFill>
-              </a:uFill>
-              <a:latin typeface="Arial"/>
-            </a:endParaRPr>
-          </a:p>
-        </p:txBody>
-      </p:sp>
-      <p:sp>
-        <p:nvSpPr>
-          <p:cNvPr id="62" name="TextShape 2"/>
-          <p:cNvSpPr txBox="1"/>
+            <a:endParaRPr b="0" lang="en-US" sz="1800" spc="-1" strike="noStrike">
+              <a:solidFill>
+                <a:srgbClr val="000000"/>
+              </a:solidFill>
+              <a:uFill>
+                <a:solidFill>
+                  <a:srgbClr val="ffffff"/>
+                </a:solidFill>
+              </a:uFill>
+              <a:latin typeface="Arial"/>
+            </a:endParaRPr>
+          </a:p>
+        </p:txBody>
+      </p:sp>
+      <p:sp>
+        <p:nvSpPr>
+          <p:cNvPr id="95" name="CustomShape 2"/>
+          <p:cNvSpPr/>
           <p:nvPr/>
         </p:nvSpPr>
         <p:spPr>
           <a:xfrm>
             <a:off x="504000" y="1769040"/>
-            <a:ext cx="9071640" cy="4384440"/>
+            <a:ext cx="9071280" cy="4384080"/>
           </a:xfrm>
           <a:prstGeom prst="rect">
             <a:avLst/>
@@ -2387,10 +4066,19 @@
             <a:noFill/>
           </a:ln>
         </p:spPr>
+        <p:style>
+          <a:lnRef idx="0"/>
+          <a:fillRef idx="0"/>
+          <a:effectRef idx="0"/>
+          <a:fontRef idx="minor"/>
+        </p:style>
         <p:txBody>
           <a:bodyPr lIns="0" rIns="0" tIns="0" bIns="0"/>
           <a:p>
-            <a:pPr marL="432000" indent="-324000">
+            <a:pPr marL="432000" indent="-323640">
+              <a:lnSpc>
+                <a:spcPct val="100000"/>
+              </a:lnSpc>
               <a:buClr>
                 <a:srgbClr val="000000"/>
               </a:buClr>
@@ -2412,20 +4100,23 @@
               </a:rPr>
               <a:t>Porównanie kosztów danego przykładu on premises I w gcp</a:t>
             </a:r>
-            <a:endParaRPr b="0" lang="en-US" sz="3200" spc="-1" strike="noStrike">
-              <a:solidFill>
-                <a:srgbClr val="000000"/>
-              </a:solidFill>
-              <a:uFill>
-                <a:solidFill>
-                  <a:srgbClr val="ffffff"/>
-                </a:solidFill>
-              </a:uFill>
-              <a:latin typeface="Arial"/>
-            </a:endParaRPr>
-          </a:p>
-          <a:p>
-            <a:pPr marL="432000" indent="-324000">
+            <a:endParaRPr b="0" lang="en-US" sz="1800" spc="-1" strike="noStrike">
+              <a:solidFill>
+                <a:srgbClr val="000000"/>
+              </a:solidFill>
+              <a:uFill>
+                <a:solidFill>
+                  <a:srgbClr val="ffffff"/>
+                </a:solidFill>
+              </a:uFill>
+              <a:latin typeface="Arial"/>
+            </a:endParaRPr>
+          </a:p>
+          <a:p>
+            <a:pPr marL="432000" indent="-323640">
+              <a:lnSpc>
+                <a:spcPct val="100000"/>
+              </a:lnSpc>
               <a:buClr>
                 <a:srgbClr val="000000"/>
               </a:buClr>
@@ -2447,7 +4138,7 @@
               </a:rPr>
               <a:t>Wnioski z dotychczasowego użycia GCP.</a:t>
             </a:r>
-            <a:endParaRPr b="0" lang="en-US" sz="3200" spc="-1" strike="noStrike">
+            <a:endParaRPr b="0" lang="en-US" sz="1800" spc="-1" strike="noStrike">
               <a:solidFill>
                 <a:srgbClr val="000000"/>
               </a:solidFill>
@@ -2512,14 +4203,14 @@
       </p:grpSpPr>
       <p:sp>
         <p:nvSpPr>
-          <p:cNvPr id="63" name="TextShape 1"/>
-          <p:cNvSpPr txBox="1"/>
+          <p:cNvPr id="96" name="CustomShape 1"/>
+          <p:cNvSpPr/>
           <p:nvPr/>
         </p:nvSpPr>
         <p:spPr>
           <a:xfrm>
             <a:off x="504000" y="301320"/>
-            <a:ext cx="9071640" cy="1262160"/>
+            <a:ext cx="9071280" cy="1261800"/>
           </a:xfrm>
           <a:prstGeom prst="rect">
             <a:avLst/>
@@ -2529,10 +4220,20 @@
             <a:noFill/>
           </a:ln>
         </p:spPr>
+        <p:style>
+          <a:lnRef idx="0"/>
+          <a:fillRef idx="0"/>
+          <a:effectRef idx="0"/>
+          <a:fontRef idx="minor"/>
+        </p:style>
         <p:txBody>
           <a:bodyPr lIns="0" rIns="0" tIns="0" bIns="0" anchor="ctr"/>
           <a:p>
-            <a:pPr algn="ctr"/>
+            <a:pPr algn="ctr">
+              <a:lnSpc>
+                <a:spcPct val="100000"/>
+              </a:lnSpc>
+            </a:pPr>
             <a:r>
               <a:rPr b="0" lang="en-US" sz="4400" spc="-1" strike="noStrike">
                 <a:solidFill>
@@ -2547,30 +4248,30 @@
               </a:rPr>
               <a:t>Zalety I wady rozwiązania w chmurze</a:t>
             </a:r>
-            <a:endParaRPr b="0" lang="en-US" sz="4400" spc="-1" strike="noStrike">
-              <a:solidFill>
-                <a:srgbClr val="000000"/>
-              </a:solidFill>
-              <a:uFill>
-                <a:solidFill>
-                  <a:srgbClr val="ffffff"/>
-                </a:solidFill>
-              </a:uFill>
-              <a:latin typeface="Arial"/>
-            </a:endParaRPr>
-          </a:p>
-        </p:txBody>
-      </p:sp>
-      <p:sp>
-        <p:nvSpPr>
-          <p:cNvPr id="64" name="TextShape 2"/>
-          <p:cNvSpPr txBox="1"/>
+            <a:endParaRPr b="0" lang="en-US" sz="1800" spc="-1" strike="noStrike">
+              <a:solidFill>
+                <a:srgbClr val="000000"/>
+              </a:solidFill>
+              <a:uFill>
+                <a:solidFill>
+                  <a:srgbClr val="ffffff"/>
+                </a:solidFill>
+              </a:uFill>
+              <a:latin typeface="Arial"/>
+            </a:endParaRPr>
+          </a:p>
+        </p:txBody>
+      </p:sp>
+      <p:sp>
+        <p:nvSpPr>
+          <p:cNvPr id="97" name="CustomShape 2"/>
+          <p:cNvSpPr/>
           <p:nvPr/>
         </p:nvSpPr>
         <p:spPr>
           <a:xfrm>
             <a:off x="504000" y="1769040"/>
-            <a:ext cx="9071640" cy="4384440"/>
+            <a:ext cx="9071280" cy="4384080"/>
           </a:xfrm>
           <a:prstGeom prst="rect">
             <a:avLst/>
@@ -2580,10 +4281,19 @@
             <a:noFill/>
           </a:ln>
         </p:spPr>
+        <p:style>
+          <a:lnRef idx="0"/>
+          <a:fillRef idx="0"/>
+          <a:effectRef idx="0"/>
+          <a:fontRef idx="minor"/>
+        </p:style>
         <p:txBody>
           <a:bodyPr lIns="0" rIns="0" tIns="0" bIns="0"/>
           <a:p>
-            <a:pPr marL="432000" indent="-324000">
+            <a:pPr marL="432000" indent="-323640">
+              <a:lnSpc>
+                <a:spcPct val="100000"/>
+              </a:lnSpc>
               <a:buClr>
                 <a:srgbClr val="000000"/>
               </a:buClr>
@@ -2605,7 +4315,7 @@
               </a:rPr>
               <a:t>Tabelka zaleta I odpowiadająca jej wada</a:t>
             </a:r>
-            <a:endParaRPr b="0" lang="en-US" sz="3200" spc="-1" strike="noStrike">
+            <a:endParaRPr b="0" lang="en-US" sz="1800" spc="-1" strike="noStrike">
               <a:solidFill>
                 <a:srgbClr val="000000"/>
               </a:solidFill>
@@ -2670,14 +4380,14 @@
       </p:grpSpPr>
       <p:sp>
         <p:nvSpPr>
-          <p:cNvPr id="41" name="TextShape 1"/>
-          <p:cNvSpPr txBox="1"/>
+          <p:cNvPr id="74" name="CustomShape 1"/>
+          <p:cNvSpPr/>
           <p:nvPr/>
         </p:nvSpPr>
         <p:spPr>
           <a:xfrm>
             <a:off x="504000" y="301320"/>
-            <a:ext cx="9071640" cy="1262160"/>
+            <a:ext cx="9071280" cy="1261800"/>
           </a:xfrm>
           <a:prstGeom prst="rect">
             <a:avLst/>
@@ -2687,10 +4397,20 @@
             <a:noFill/>
           </a:ln>
         </p:spPr>
+        <p:style>
+          <a:lnRef idx="0"/>
+          <a:fillRef idx="0"/>
+          <a:effectRef idx="0"/>
+          <a:fontRef idx="minor"/>
+        </p:style>
         <p:txBody>
           <a:bodyPr lIns="0" rIns="0" tIns="0" bIns="0" anchor="ctr"/>
           <a:p>
-            <a:pPr algn="ctr"/>
+            <a:pPr algn="ctr">
+              <a:lnSpc>
+                <a:spcPct val="100000"/>
+              </a:lnSpc>
+            </a:pPr>
             <a:r>
               <a:rPr b="0" lang="en-US" sz="4400" spc="-1" strike="noStrike">
                 <a:solidFill>
@@ -2705,30 +4425,30 @@
               </a:rPr>
               <a:t>Kilka słów o sobie</a:t>
             </a:r>
-            <a:endParaRPr b="0" lang="en-US" sz="4400" spc="-1" strike="noStrike">
-              <a:solidFill>
-                <a:srgbClr val="000000"/>
-              </a:solidFill>
-              <a:uFill>
-                <a:solidFill>
-                  <a:srgbClr val="ffffff"/>
-                </a:solidFill>
-              </a:uFill>
-              <a:latin typeface="Arial"/>
-            </a:endParaRPr>
-          </a:p>
-        </p:txBody>
-      </p:sp>
-      <p:sp>
-        <p:nvSpPr>
-          <p:cNvPr id="42" name="TextShape 2"/>
-          <p:cNvSpPr txBox="1"/>
+            <a:endParaRPr b="0" lang="en-US" sz="1800" spc="-1" strike="noStrike">
+              <a:solidFill>
+                <a:srgbClr val="000000"/>
+              </a:solidFill>
+              <a:uFill>
+                <a:solidFill>
+                  <a:srgbClr val="ffffff"/>
+                </a:solidFill>
+              </a:uFill>
+              <a:latin typeface="Arial"/>
+            </a:endParaRPr>
+          </a:p>
+        </p:txBody>
+      </p:sp>
+      <p:sp>
+        <p:nvSpPr>
+          <p:cNvPr id="75" name="CustomShape 2"/>
+          <p:cNvSpPr/>
           <p:nvPr/>
         </p:nvSpPr>
         <p:spPr>
           <a:xfrm>
             <a:off x="504000" y="1769040"/>
-            <a:ext cx="9071640" cy="4384440"/>
+            <a:ext cx="9071280" cy="4384080"/>
           </a:xfrm>
           <a:prstGeom prst="rect">
             <a:avLst/>
@@ -2738,10 +4458,19 @@
             <a:noFill/>
           </a:ln>
         </p:spPr>
+        <p:style>
+          <a:lnRef idx="0"/>
+          <a:fillRef idx="0"/>
+          <a:effectRef idx="0"/>
+          <a:fontRef idx="minor"/>
+        </p:style>
         <p:txBody>
           <a:bodyPr lIns="0" rIns="0" tIns="0" bIns="0"/>
           <a:p>
-            <a:pPr marL="432000" indent="-324000">
+            <a:pPr marL="432000" indent="-323640">
+              <a:lnSpc>
+                <a:spcPct val="100000"/>
+              </a:lnSpc>
               <a:buClr>
                 <a:srgbClr val="000000"/>
               </a:buClr>
@@ -2763,7 +4492,121 @@
               </a:rPr>
               <a:t>Kim jesteśmy I co robimy w Pracuju.</a:t>
             </a:r>
-            <a:endParaRPr b="0" lang="en-US" sz="3200" spc="-1" strike="noStrike">
+            <a:endParaRPr b="0" lang="en-US" sz="1800" spc="-1" strike="noStrike">
+              <a:solidFill>
+                <a:srgbClr val="000000"/>
+              </a:solidFill>
+              <a:uFill>
+                <a:solidFill>
+                  <a:srgbClr val="ffffff"/>
+                </a:solidFill>
+              </a:uFill>
+              <a:latin typeface="Arial"/>
+            </a:endParaRPr>
+          </a:p>
+          <a:p>
+            <a:pPr marL="432000" indent="-323640">
+              <a:lnSpc>
+                <a:spcPct val="100000"/>
+              </a:lnSpc>
+              <a:buClr>
+                <a:srgbClr val="000000"/>
+              </a:buClr>
+              <a:buSzPct val="45000"/>
+              <a:buFont typeface="Wingdings" charset="2"/>
+              <a:buChar char=""/>
+            </a:pPr>
+            <a:r>
+              <a:rPr b="0" lang="en-US" sz="3200" spc="-1" strike="noStrike">
+                <a:solidFill>
+                  <a:srgbClr val="000000"/>
+                </a:solidFill>
+                <a:uFill>
+                  <a:solidFill>
+                    <a:srgbClr val="ffffff"/>
+                  </a:solidFill>
+                </a:uFill>
+                <a:latin typeface="Arial"/>
+              </a:rPr>
+              <a:t> </a:t>
+            </a:r>
+            <a:endParaRPr b="0" lang="en-US" sz="1800" spc="-1" strike="noStrike">
+              <a:solidFill>
+                <a:srgbClr val="000000"/>
+              </a:solidFill>
+              <a:uFill>
+                <a:solidFill>
+                  <a:srgbClr val="ffffff"/>
+                </a:solidFill>
+              </a:uFill>
+              <a:latin typeface="Arial"/>
+            </a:endParaRPr>
+          </a:p>
+          <a:p>
+            <a:pPr marL="432000" indent="-323640">
+              <a:lnSpc>
+                <a:spcPct val="100000"/>
+              </a:lnSpc>
+              <a:buClr>
+                <a:srgbClr val="000000"/>
+              </a:buClr>
+              <a:buSzPct val="45000"/>
+              <a:buFont typeface="Wingdings" charset="2"/>
+              <a:buChar char=""/>
+            </a:pPr>
+            <a:r>
+              <a:rPr b="0" lang="en-US" sz="3200" spc="-1" strike="noStrike">
+                <a:solidFill>
+                  <a:srgbClr val="000000"/>
+                </a:solidFill>
+                <a:uFill>
+                  <a:solidFill>
+                    <a:srgbClr val="ffffff"/>
+                  </a:solidFill>
+                </a:uFill>
+                <a:latin typeface="Arial"/>
+              </a:rPr>
+              <a:t>Ogólny opis tego co robimy w pracy na jakich technologiach/metodach pracujemy. Od jak dawna – co robiliśmy wcześniej</a:t>
+            </a:r>
+            <a:endParaRPr b="0" lang="en-US" sz="1800" spc="-1" strike="noStrike">
+              <a:solidFill>
+                <a:srgbClr val="000000"/>
+              </a:solidFill>
+              <a:uFill>
+                <a:solidFill>
+                  <a:srgbClr val="ffffff"/>
+                </a:solidFill>
+              </a:uFill>
+              <a:latin typeface="Arial"/>
+            </a:endParaRPr>
+          </a:p>
+          <a:p>
+            <a:pPr marL="432000" indent="-323640">
+              <a:lnSpc>
+                <a:spcPct val="100000"/>
+              </a:lnSpc>
+              <a:buClr>
+                <a:srgbClr val="000000"/>
+              </a:buClr>
+              <a:buSzPct val="45000"/>
+              <a:buFont typeface="Wingdings" charset="2"/>
+              <a:buChar char=""/>
+            </a:pPr>
+            <a:r>
+              <a:rPr b="0" lang="en-US" sz="3200" spc="-1" strike="noStrike">
+                <a:solidFill>
+                  <a:srgbClr val="000000"/>
+                </a:solidFill>
+                <a:uFill>
+                  <a:solidFill>
+                    <a:srgbClr val="ffffff"/>
+                  </a:solidFill>
+                </a:uFill>
+                <a:latin typeface="Arial"/>
+              </a:rPr>
+              <a:t> </a:t>
+            </a:r>
+            <a:endParaRPr b="0" lang="en-US" sz="1800" spc="-1" strike="noStrike">
               <a:solidFill>
                 <a:srgbClr val="000000"/>
               </a:solidFill>
@@ -2828,14 +4671,14 @@
       </p:grpSpPr>
       <p:sp>
         <p:nvSpPr>
-          <p:cNvPr id="43" name="TextShape 1"/>
-          <p:cNvSpPr txBox="1"/>
+          <p:cNvPr id="76" name="CustomShape 1"/>
+          <p:cNvSpPr/>
           <p:nvPr/>
         </p:nvSpPr>
         <p:spPr>
           <a:xfrm>
             <a:off x="504000" y="301320"/>
-            <a:ext cx="9071640" cy="1262160"/>
+            <a:ext cx="9071280" cy="1261800"/>
           </a:xfrm>
           <a:prstGeom prst="rect">
             <a:avLst/>
@@ -2845,10 +4688,20 @@
             <a:noFill/>
           </a:ln>
         </p:spPr>
+        <p:style>
+          <a:lnRef idx="0"/>
+          <a:fillRef idx="0"/>
+          <a:effectRef idx="0"/>
+          <a:fontRef idx="minor"/>
+        </p:style>
         <p:txBody>
           <a:bodyPr lIns="0" rIns="0" tIns="0" bIns="0" anchor="ctr"/>
           <a:p>
-            <a:pPr algn="ctr"/>
+            <a:pPr algn="ctr">
+              <a:lnSpc>
+                <a:spcPct val="100000"/>
+              </a:lnSpc>
+            </a:pPr>
             <a:r>
               <a:rPr b="0" lang="en-US" sz="4400" spc="-1" strike="noStrike">
                 <a:solidFill>
@@ -2877,30 +4730,30 @@
               </a:rPr>
               <a:t>	</a:t>
             </a:r>
-            <a:endParaRPr b="0" lang="en-US" sz="4400" spc="-1" strike="noStrike">
-              <a:solidFill>
-                <a:srgbClr val="000000"/>
-              </a:solidFill>
-              <a:uFill>
-                <a:solidFill>
-                  <a:srgbClr val="ffffff"/>
-                </a:solidFill>
-              </a:uFill>
-              <a:latin typeface="Arial"/>
-            </a:endParaRPr>
-          </a:p>
-        </p:txBody>
-      </p:sp>
-      <p:sp>
-        <p:nvSpPr>
-          <p:cNvPr id="44" name="TextShape 2"/>
-          <p:cNvSpPr txBox="1"/>
+            <a:endParaRPr b="0" lang="en-US" sz="1800" spc="-1" strike="noStrike">
+              <a:solidFill>
+                <a:srgbClr val="000000"/>
+              </a:solidFill>
+              <a:uFill>
+                <a:solidFill>
+                  <a:srgbClr val="ffffff"/>
+                </a:solidFill>
+              </a:uFill>
+              <a:latin typeface="Arial"/>
+            </a:endParaRPr>
+          </a:p>
+        </p:txBody>
+      </p:sp>
+      <p:sp>
+        <p:nvSpPr>
+          <p:cNvPr id="77" name="CustomShape 2"/>
+          <p:cNvSpPr/>
           <p:nvPr/>
         </p:nvSpPr>
         <p:spPr>
           <a:xfrm>
             <a:off x="504000" y="1769040"/>
-            <a:ext cx="9071640" cy="4384440"/>
+            <a:ext cx="9071280" cy="4384080"/>
           </a:xfrm>
           <a:prstGeom prst="rect">
             <a:avLst/>
@@ -2910,10 +4763,19 @@
             <a:noFill/>
           </a:ln>
         </p:spPr>
+        <p:style>
+          <a:lnRef idx="0"/>
+          <a:fillRef idx="0"/>
+          <a:effectRef idx="0"/>
+          <a:fontRef idx="minor"/>
+        </p:style>
         <p:txBody>
           <a:bodyPr lIns="0" rIns="0" tIns="0" bIns="0"/>
           <a:p>
-            <a:pPr marL="432000" indent="-324000">
+            <a:pPr marL="432000" indent="-323640">
+              <a:lnSpc>
+                <a:spcPct val="100000"/>
+              </a:lnSpc>
               <a:buClr>
                 <a:srgbClr val="000000"/>
               </a:buClr>
@@ -2935,20 +4797,23 @@
               </a:rPr>
               <a:t>Dostępność usług</a:t>
             </a:r>
-            <a:endParaRPr b="0" lang="en-US" sz="3200" spc="-1" strike="noStrike">
-              <a:solidFill>
-                <a:srgbClr val="000000"/>
-              </a:solidFill>
-              <a:uFill>
-                <a:solidFill>
-                  <a:srgbClr val="ffffff"/>
-                </a:solidFill>
-              </a:uFill>
-              <a:latin typeface="Arial"/>
-            </a:endParaRPr>
-          </a:p>
-          <a:p>
-            <a:pPr marL="432000" indent="-324000">
+            <a:endParaRPr b="0" lang="en-US" sz="1800" spc="-1" strike="noStrike">
+              <a:solidFill>
+                <a:srgbClr val="000000"/>
+              </a:solidFill>
+              <a:uFill>
+                <a:solidFill>
+                  <a:srgbClr val="ffffff"/>
+                </a:solidFill>
+              </a:uFill>
+              <a:latin typeface="Arial"/>
+            </a:endParaRPr>
+          </a:p>
+          <a:p>
+            <a:pPr marL="432000" indent="-323640">
+              <a:lnSpc>
+                <a:spcPct val="100000"/>
+              </a:lnSpc>
               <a:buClr>
                 <a:srgbClr val="000000"/>
               </a:buClr>
@@ -2970,20 +4835,23 @@
               </a:rPr>
               <a:t>Lokalizacje centrów danych</a:t>
             </a:r>
-            <a:endParaRPr b="0" lang="en-US" sz="3200" spc="-1" strike="noStrike">
-              <a:solidFill>
-                <a:srgbClr val="000000"/>
-              </a:solidFill>
-              <a:uFill>
-                <a:solidFill>
-                  <a:srgbClr val="ffffff"/>
-                </a:solidFill>
-              </a:uFill>
-              <a:latin typeface="Arial"/>
-            </a:endParaRPr>
-          </a:p>
-          <a:p>
-            <a:pPr marL="432000" indent="-324000">
+            <a:endParaRPr b="0" lang="en-US" sz="1800" spc="-1" strike="noStrike">
+              <a:solidFill>
+                <a:srgbClr val="000000"/>
+              </a:solidFill>
+              <a:uFill>
+                <a:solidFill>
+                  <a:srgbClr val="ffffff"/>
+                </a:solidFill>
+              </a:uFill>
+              <a:latin typeface="Arial"/>
+            </a:endParaRPr>
+          </a:p>
+          <a:p>
+            <a:pPr marL="432000" indent="-323640">
+              <a:lnSpc>
+                <a:spcPct val="100000"/>
+              </a:lnSpc>
               <a:buClr>
                 <a:srgbClr val="000000"/>
               </a:buClr>
@@ -3005,20 +4873,23 @@
               </a:rPr>
               <a:t>Cena usług</a:t>
             </a:r>
-            <a:endParaRPr b="0" lang="en-US" sz="3200" spc="-1" strike="noStrike">
-              <a:solidFill>
-                <a:srgbClr val="000000"/>
-              </a:solidFill>
-              <a:uFill>
-                <a:solidFill>
-                  <a:srgbClr val="ffffff"/>
-                </a:solidFill>
-              </a:uFill>
-              <a:latin typeface="Arial"/>
-            </a:endParaRPr>
-          </a:p>
-          <a:p>
-            <a:pPr marL="432000" indent="-324000">
+            <a:endParaRPr b="0" lang="en-US" sz="1800" spc="-1" strike="noStrike">
+              <a:solidFill>
+                <a:srgbClr val="000000"/>
+              </a:solidFill>
+              <a:uFill>
+                <a:solidFill>
+                  <a:srgbClr val="ffffff"/>
+                </a:solidFill>
+              </a:uFill>
+              <a:latin typeface="Arial"/>
+            </a:endParaRPr>
+          </a:p>
+          <a:p>
+            <a:pPr marL="432000" indent="-323640">
+              <a:lnSpc>
+                <a:spcPct val="100000"/>
+              </a:lnSpc>
               <a:buClr>
                 <a:srgbClr val="000000"/>
               </a:buClr>
@@ -3040,20 +4911,23 @@
               </a:rPr>
               <a:t>Elastyczność cennika</a:t>
             </a:r>
-            <a:endParaRPr b="0" lang="en-US" sz="3200" spc="-1" strike="noStrike">
-              <a:solidFill>
-                <a:srgbClr val="000000"/>
-              </a:solidFill>
-              <a:uFill>
-                <a:solidFill>
-                  <a:srgbClr val="ffffff"/>
-                </a:solidFill>
-              </a:uFill>
-              <a:latin typeface="Arial"/>
-            </a:endParaRPr>
-          </a:p>
-          <a:p>
-            <a:pPr marL="432000" indent="-324000">
+            <a:endParaRPr b="0" lang="en-US" sz="1800" spc="-1" strike="noStrike">
+              <a:solidFill>
+                <a:srgbClr val="000000"/>
+              </a:solidFill>
+              <a:uFill>
+                <a:solidFill>
+                  <a:srgbClr val="ffffff"/>
+                </a:solidFill>
+              </a:uFill>
+              <a:latin typeface="Arial"/>
+            </a:endParaRPr>
+          </a:p>
+          <a:p>
+            <a:pPr marL="432000" indent="-323640">
+              <a:lnSpc>
+                <a:spcPct val="100000"/>
+              </a:lnSpc>
               <a:buClr>
                 <a:srgbClr val="000000"/>
               </a:buClr>
@@ -3075,20 +4949,23 @@
               </a:rPr>
               <a:t>Bezpieczeństwo danych</a:t>
             </a:r>
-            <a:endParaRPr b="0" lang="en-US" sz="3200" spc="-1" strike="noStrike">
-              <a:solidFill>
-                <a:srgbClr val="000000"/>
-              </a:solidFill>
-              <a:uFill>
-                <a:solidFill>
-                  <a:srgbClr val="ffffff"/>
-                </a:solidFill>
-              </a:uFill>
-              <a:latin typeface="Arial"/>
-            </a:endParaRPr>
-          </a:p>
-          <a:p>
-            <a:pPr marL="432000" indent="-324000">
+            <a:endParaRPr b="0" lang="en-US" sz="1800" spc="-1" strike="noStrike">
+              <a:solidFill>
+                <a:srgbClr val="000000"/>
+              </a:solidFill>
+              <a:uFill>
+                <a:solidFill>
+                  <a:srgbClr val="ffffff"/>
+                </a:solidFill>
+              </a:uFill>
+              <a:latin typeface="Arial"/>
+            </a:endParaRPr>
+          </a:p>
+          <a:p>
+            <a:pPr marL="432000" indent="-323640">
+              <a:lnSpc>
+                <a:spcPct val="100000"/>
+              </a:lnSpc>
               <a:buClr>
                 <a:srgbClr val="000000"/>
               </a:buClr>
@@ -3110,20 +4987,23 @@
               </a:rPr>
               <a:t>Regulacje prawne</a:t>
             </a:r>
-            <a:endParaRPr b="0" lang="en-US" sz="3200" spc="-1" strike="noStrike">
-              <a:solidFill>
-                <a:srgbClr val="000000"/>
-              </a:solidFill>
-              <a:uFill>
-                <a:solidFill>
-                  <a:srgbClr val="ffffff"/>
-                </a:solidFill>
-              </a:uFill>
-              <a:latin typeface="Arial"/>
-            </a:endParaRPr>
-          </a:p>
-          <a:p>
-            <a:pPr marL="432000" indent="-324000">
+            <a:endParaRPr b="0" lang="en-US" sz="1800" spc="-1" strike="noStrike">
+              <a:solidFill>
+                <a:srgbClr val="000000"/>
+              </a:solidFill>
+              <a:uFill>
+                <a:solidFill>
+                  <a:srgbClr val="ffffff"/>
+                </a:solidFill>
+              </a:uFill>
+              <a:latin typeface="Arial"/>
+            </a:endParaRPr>
+          </a:p>
+          <a:p>
+            <a:pPr marL="432000" indent="-323640">
+              <a:lnSpc>
+                <a:spcPct val="100000"/>
+              </a:lnSpc>
               <a:buClr>
                 <a:srgbClr val="000000"/>
               </a:buClr>
@@ -3145,20 +5025,23 @@
               </a:rPr>
               <a:t>Funkcjonalności produktów</a:t>
             </a:r>
-            <a:endParaRPr b="0" lang="en-US" sz="3200" spc="-1" strike="noStrike">
-              <a:solidFill>
-                <a:srgbClr val="000000"/>
-              </a:solidFill>
-              <a:uFill>
-                <a:solidFill>
-                  <a:srgbClr val="ffffff"/>
-                </a:solidFill>
-              </a:uFill>
-              <a:latin typeface="Arial"/>
-            </a:endParaRPr>
-          </a:p>
-          <a:p>
-            <a:pPr marL="432000" indent="-324000">
+            <a:endParaRPr b="0" lang="en-US" sz="1800" spc="-1" strike="noStrike">
+              <a:solidFill>
+                <a:srgbClr val="000000"/>
+              </a:solidFill>
+              <a:uFill>
+                <a:solidFill>
+                  <a:srgbClr val="ffffff"/>
+                </a:solidFill>
+              </a:uFill>
+              <a:latin typeface="Arial"/>
+            </a:endParaRPr>
+          </a:p>
+          <a:p>
+            <a:pPr marL="432000" indent="-323640">
+              <a:lnSpc>
+                <a:spcPct val="100000"/>
+              </a:lnSpc>
               <a:buClr>
                 <a:srgbClr val="000000"/>
               </a:buClr>
@@ -3180,20 +5063,23 @@
               </a:rPr>
               <a:t>Możliwość skalowania usług</a:t>
             </a:r>
-            <a:endParaRPr b="0" lang="en-US" sz="3200" spc="-1" strike="noStrike">
-              <a:solidFill>
-                <a:srgbClr val="000000"/>
-              </a:solidFill>
-              <a:uFill>
-                <a:solidFill>
-                  <a:srgbClr val="ffffff"/>
-                </a:solidFill>
-              </a:uFill>
-              <a:latin typeface="Arial"/>
-            </a:endParaRPr>
-          </a:p>
-          <a:p>
-            <a:pPr marL="432000" indent="-324000">
+            <a:endParaRPr b="0" lang="en-US" sz="1800" spc="-1" strike="noStrike">
+              <a:solidFill>
+                <a:srgbClr val="000000"/>
+              </a:solidFill>
+              <a:uFill>
+                <a:solidFill>
+                  <a:srgbClr val="ffffff"/>
+                </a:solidFill>
+              </a:uFill>
+              <a:latin typeface="Arial"/>
+            </a:endParaRPr>
+          </a:p>
+          <a:p>
+            <a:pPr marL="432000" indent="-323640">
+              <a:lnSpc>
+                <a:spcPct val="100000"/>
+              </a:lnSpc>
               <a:buClr>
                 <a:srgbClr val="000000"/>
               </a:buClr>
@@ -3215,20 +5101,23 @@
               </a:rPr>
               <a:t>Łatwość migracji obecnych usług do chmury</a:t>
             </a:r>
-            <a:endParaRPr b="0" lang="en-US" sz="3200" spc="-1" strike="noStrike">
-              <a:solidFill>
-                <a:srgbClr val="000000"/>
-              </a:solidFill>
-              <a:uFill>
-                <a:solidFill>
-                  <a:srgbClr val="ffffff"/>
-                </a:solidFill>
-              </a:uFill>
-              <a:latin typeface="Arial"/>
-            </a:endParaRPr>
-          </a:p>
-          <a:p>
-            <a:pPr marL="432000" indent="-324000">
+            <a:endParaRPr b="0" lang="en-US" sz="1800" spc="-1" strike="noStrike">
+              <a:solidFill>
+                <a:srgbClr val="000000"/>
+              </a:solidFill>
+              <a:uFill>
+                <a:solidFill>
+                  <a:srgbClr val="ffffff"/>
+                </a:solidFill>
+              </a:uFill>
+              <a:latin typeface="Arial"/>
+            </a:endParaRPr>
+          </a:p>
+          <a:p>
+            <a:pPr marL="432000" indent="-323640">
+              <a:lnSpc>
+                <a:spcPct val="100000"/>
+              </a:lnSpc>
               <a:buClr>
                 <a:srgbClr val="000000"/>
               </a:buClr>
@@ -3250,7 +5139,7 @@
               </a:rPr>
               <a:t>...</a:t>
             </a:r>
-            <a:endParaRPr b="0" lang="en-US" sz="3200" spc="-1" strike="noStrike">
+            <a:endParaRPr b="0" lang="en-US" sz="1800" spc="-1" strike="noStrike">
               <a:solidFill>
                 <a:srgbClr val="000000"/>
               </a:solidFill>
@@ -3315,14 +5204,14 @@
       </p:grpSpPr>
       <p:sp>
         <p:nvSpPr>
-          <p:cNvPr id="45" name="TextShape 1"/>
-          <p:cNvSpPr txBox="1"/>
+          <p:cNvPr id="78" name="CustomShape 1"/>
+          <p:cNvSpPr/>
           <p:nvPr/>
         </p:nvSpPr>
         <p:spPr>
           <a:xfrm>
             <a:off x="504000" y="91440"/>
-            <a:ext cx="9071640" cy="1262160"/>
+            <a:ext cx="9071280" cy="1261800"/>
           </a:xfrm>
           <a:prstGeom prst="rect">
             <a:avLst/>
@@ -3332,10 +5221,20 @@
             <a:noFill/>
           </a:ln>
         </p:spPr>
+        <p:style>
+          <a:lnRef idx="0"/>
+          <a:fillRef idx="0"/>
+          <a:effectRef idx="0"/>
+          <a:fontRef idx="minor"/>
+        </p:style>
         <p:txBody>
           <a:bodyPr lIns="0" rIns="0" tIns="0" bIns="0" anchor="ctr"/>
           <a:p>
-            <a:pPr algn="ctr"/>
+            <a:pPr algn="ctr">
+              <a:lnSpc>
+                <a:spcPct val="100000"/>
+              </a:lnSpc>
+            </a:pPr>
             <a:r>
               <a:rPr b="0" lang="en-US" sz="4400" spc="-1" strike="noStrike">
                 <a:solidFill>
@@ -3350,30 +5249,30 @@
               </a:rPr>
               <a:t>Funkcjonalności produktów</a:t>
             </a:r>
-            <a:endParaRPr b="0" lang="en-US" sz="4400" spc="-1" strike="noStrike">
-              <a:solidFill>
-                <a:srgbClr val="000000"/>
-              </a:solidFill>
-              <a:uFill>
-                <a:solidFill>
-                  <a:srgbClr val="ffffff"/>
-                </a:solidFill>
-              </a:uFill>
-              <a:latin typeface="Arial"/>
-            </a:endParaRPr>
-          </a:p>
-        </p:txBody>
-      </p:sp>
-      <p:sp>
-        <p:nvSpPr>
-          <p:cNvPr id="46" name="TextShape 2"/>
-          <p:cNvSpPr txBox="1"/>
+            <a:endParaRPr b="0" lang="en-US" sz="1800" spc="-1" strike="noStrike">
+              <a:solidFill>
+                <a:srgbClr val="000000"/>
+              </a:solidFill>
+              <a:uFill>
+                <a:solidFill>
+                  <a:srgbClr val="ffffff"/>
+                </a:solidFill>
+              </a:uFill>
+              <a:latin typeface="Arial"/>
+            </a:endParaRPr>
+          </a:p>
+        </p:txBody>
+      </p:sp>
+      <p:sp>
+        <p:nvSpPr>
+          <p:cNvPr id="79" name="CustomShape 2"/>
+          <p:cNvSpPr/>
           <p:nvPr/>
         </p:nvSpPr>
         <p:spPr>
           <a:xfrm>
             <a:off x="548640" y="2834640"/>
-            <a:ext cx="9071640" cy="4384440"/>
+            <a:ext cx="9071280" cy="4384080"/>
           </a:xfrm>
           <a:prstGeom prst="rect">
             <a:avLst/>
@@ -3383,10 +5282,19 @@
             <a:noFill/>
           </a:ln>
         </p:spPr>
+        <p:style>
+          <a:lnRef idx="0"/>
+          <a:fillRef idx="0"/>
+          <a:effectRef idx="0"/>
+          <a:fontRef idx="minor"/>
+        </p:style>
         <p:txBody>
           <a:bodyPr lIns="0" rIns="0" tIns="0" bIns="0"/>
           <a:p>
-            <a:pPr marL="432000" indent="-324000">
+            <a:pPr marL="432000" indent="-323640">
+              <a:lnSpc>
+                <a:spcPct val="100000"/>
+              </a:lnSpc>
               <a:buClr>
                 <a:srgbClr val="000000"/>
               </a:buClr>
@@ -3406,9 +5314,161 @@
                 </a:uFill>
                 <a:latin typeface="Arial"/>
               </a:rPr>
-              <a:t>Porównanie funkcjonalności</a:t>
+              <a:t>Porównanie funkcjonalności -</a:t>
             </a:r>
-            <a:endParaRPr b="0" lang="en-US" sz="3200" spc="-1" strike="noStrike">
+            <a:endParaRPr b="0" lang="en-US" sz="1800" spc="-1" strike="noStrike">
+              <a:solidFill>
+                <a:srgbClr val="000000"/>
+              </a:solidFill>
+              <a:uFill>
+                <a:solidFill>
+                  <a:srgbClr val="ffffff"/>
+                </a:solidFill>
+              </a:uFill>
+              <a:latin typeface="Arial"/>
+            </a:endParaRPr>
+          </a:p>
+          <a:p>
+            <a:pPr marL="432000" indent="-323640">
+              <a:lnSpc>
+                <a:spcPct val="100000"/>
+              </a:lnSpc>
+              <a:buClr>
+                <a:srgbClr val="000000"/>
+              </a:buClr>
+              <a:buSzPct val="45000"/>
+              <a:buFont typeface="Wingdings" charset="2"/>
+              <a:buChar char=""/>
+            </a:pPr>
+            <a:r>
+              <a:rPr b="0" lang="en-US" sz="3200" spc="-1" strike="noStrike">
+                <a:solidFill>
+                  <a:srgbClr val="000000"/>
+                </a:solidFill>
+                <a:uFill>
+                  <a:solidFill>
+                    <a:srgbClr val="ffffff"/>
+                  </a:solidFill>
+                </a:uFill>
+                <a:latin typeface="Arial"/>
+              </a:rPr>
+              <a:t> </a:t>
+            </a:r>
+            <a:endParaRPr b="0" lang="en-US" sz="1800" spc="-1" strike="noStrike">
+              <a:solidFill>
+                <a:srgbClr val="000000"/>
+              </a:solidFill>
+              <a:uFill>
+                <a:solidFill>
+                  <a:srgbClr val="ffffff"/>
+                </a:solidFill>
+              </a:uFill>
+              <a:latin typeface="Arial"/>
+            </a:endParaRPr>
+          </a:p>
+          <a:p>
+            <a:pPr marL="432000" indent="-323640">
+              <a:lnSpc>
+                <a:spcPct val="100000"/>
+              </a:lnSpc>
+              <a:buClr>
+                <a:srgbClr val="000000"/>
+              </a:buClr>
+              <a:buSzPct val="45000"/>
+              <a:buFont typeface="Wingdings" charset="2"/>
+              <a:buChar char=""/>
+            </a:pPr>
+            <a:r>
+              <a:rPr b="0" lang="en-US" sz="3200" spc="-1" strike="noStrike">
+                <a:solidFill>
+                  <a:srgbClr val="000000"/>
+                </a:solidFill>
+                <a:uFill>
+                  <a:solidFill>
+                    <a:srgbClr val="ffffff"/>
+                  </a:solidFill>
+                </a:uFill>
+                <a:latin typeface="Arial"/>
+              </a:rPr>
+              <a:t>Tutaj skrótowo główne usługi – compute etc.</a:t>
+            </a:r>
+            <a:endParaRPr b="0" lang="en-US" sz="1800" spc="-1" strike="noStrike">
+              <a:solidFill>
+                <a:srgbClr val="000000"/>
+              </a:solidFill>
+              <a:uFill>
+                <a:solidFill>
+                  <a:srgbClr val="ffffff"/>
+                </a:solidFill>
+              </a:uFill>
+              <a:latin typeface="Arial"/>
+            </a:endParaRPr>
+          </a:p>
+          <a:p>
+            <a:pPr marL="432000" indent="-323640">
+              <a:lnSpc>
+                <a:spcPct val="100000"/>
+              </a:lnSpc>
+              <a:buClr>
+                <a:srgbClr val="000000"/>
+              </a:buClr>
+              <a:buSzPct val="45000"/>
+              <a:buFont typeface="Wingdings" charset="2"/>
+              <a:buChar char=""/>
+            </a:pPr>
+            <a:r>
+              <a:rPr b="0" lang="en-US" sz="3200" spc="-1" strike="noStrike">
+                <a:solidFill>
+                  <a:srgbClr val="000000"/>
+                </a:solidFill>
+                <a:uFill>
+                  <a:solidFill>
+                    <a:srgbClr val="ffffff"/>
+                  </a:solidFill>
+                </a:uFill>
+                <a:latin typeface="Arial"/>
+              </a:rPr>
+              <a:t> </a:t>
+            </a:r>
+            <a:endParaRPr b="0" lang="en-US" sz="1800" spc="-1" strike="noStrike">
+              <a:solidFill>
+                <a:srgbClr val="000000"/>
+              </a:solidFill>
+              <a:uFill>
+                <a:solidFill>
+                  <a:srgbClr val="ffffff"/>
+                </a:solidFill>
+              </a:uFill>
+              <a:latin typeface="Arial"/>
+            </a:endParaRPr>
+          </a:p>
+          <a:p>
+            <a:pPr marL="432000" indent="-323640">
+              <a:lnSpc>
+                <a:spcPct val="100000"/>
+              </a:lnSpc>
+              <a:buClr>
+                <a:srgbClr val="000000"/>
+              </a:buClr>
+              <a:buSzPct val="45000"/>
+              <a:buFont typeface="Wingdings" charset="2"/>
+              <a:buChar char=""/>
+            </a:pPr>
+            <a:r>
+              <a:rPr b="0" lang="en-US" sz="3200" spc="-1" strike="noStrike">
+                <a:solidFill>
+                  <a:srgbClr val="000000"/>
+                </a:solidFill>
+                <a:uFill>
+                  <a:solidFill>
+                    <a:srgbClr val="ffffff"/>
+                  </a:solidFill>
+                </a:uFill>
+                <a:latin typeface="Arial"/>
+              </a:rPr>
+              <a:t>A bardziej wnikliwie bigdatowe rzeczy – np. Bigquery, storage.</a:t>
+            </a:r>
+            <a:endParaRPr b="0" lang="en-US" sz="1800" spc="-1" strike="noStrike">
               <a:solidFill>
                 <a:srgbClr val="000000"/>
               </a:solidFill>
@@ -3424,7 +5484,7 @@
       </p:sp>
       <p:pic>
         <p:nvPicPr>
-          <p:cNvPr id="47" name="" descr=""/>
+          <p:cNvPr id="80" name="" descr=""/>
           <p:cNvPicPr/>
           <p:nvPr/>
         </p:nvPicPr>
@@ -3435,7 +5495,7 @@
         <p:spPr>
           <a:xfrm>
             <a:off x="213840" y="1280160"/>
-            <a:ext cx="9753120" cy="1428480"/>
+            <a:ext cx="9752760" cy="1428120"/>
           </a:xfrm>
           <a:prstGeom prst="rect">
             <a:avLst/>
@@ -3496,14 +5556,14 @@
       </p:grpSpPr>
       <p:sp>
         <p:nvSpPr>
-          <p:cNvPr id="48" name="TextShape 1"/>
-          <p:cNvSpPr txBox="1"/>
+          <p:cNvPr id="81" name="CustomShape 1"/>
+          <p:cNvSpPr/>
           <p:nvPr/>
         </p:nvSpPr>
         <p:spPr>
           <a:xfrm>
             <a:off x="504000" y="91440"/>
-            <a:ext cx="9071640" cy="1262160"/>
+            <a:ext cx="9071280" cy="1261800"/>
           </a:xfrm>
           <a:prstGeom prst="rect">
             <a:avLst/>
@@ -3513,10 +5573,20 @@
             <a:noFill/>
           </a:ln>
         </p:spPr>
+        <p:style>
+          <a:lnRef idx="0"/>
+          <a:fillRef idx="0"/>
+          <a:effectRef idx="0"/>
+          <a:fontRef idx="minor"/>
+        </p:style>
         <p:txBody>
           <a:bodyPr lIns="0" rIns="0" tIns="0" bIns="0" anchor="ctr"/>
           <a:p>
-            <a:pPr algn="ctr"/>
+            <a:pPr algn="ctr">
+              <a:lnSpc>
+                <a:spcPct val="100000"/>
+              </a:lnSpc>
+            </a:pPr>
             <a:r>
               <a:rPr b="0" lang="en-US" sz="4400" spc="-1" strike="noStrike">
                 <a:solidFill>
@@ -3531,30 +5601,30 @@
               </a:rPr>
               <a:t>Cena</a:t>
             </a:r>
-            <a:endParaRPr b="0" lang="en-US" sz="4400" spc="-1" strike="noStrike">
-              <a:solidFill>
-                <a:srgbClr val="000000"/>
-              </a:solidFill>
-              <a:uFill>
-                <a:solidFill>
-                  <a:srgbClr val="ffffff"/>
-                </a:solidFill>
-              </a:uFill>
-              <a:latin typeface="Arial"/>
-            </a:endParaRPr>
-          </a:p>
-        </p:txBody>
-      </p:sp>
-      <p:sp>
-        <p:nvSpPr>
-          <p:cNvPr id="49" name="TextShape 2"/>
-          <p:cNvSpPr txBox="1"/>
+            <a:endParaRPr b="0" lang="en-US" sz="1800" spc="-1" strike="noStrike">
+              <a:solidFill>
+                <a:srgbClr val="000000"/>
+              </a:solidFill>
+              <a:uFill>
+                <a:solidFill>
+                  <a:srgbClr val="ffffff"/>
+                </a:solidFill>
+              </a:uFill>
+              <a:latin typeface="Arial"/>
+            </a:endParaRPr>
+          </a:p>
+        </p:txBody>
+      </p:sp>
+      <p:sp>
+        <p:nvSpPr>
+          <p:cNvPr id="82" name="CustomShape 2"/>
+          <p:cNvSpPr/>
           <p:nvPr/>
         </p:nvSpPr>
         <p:spPr>
           <a:xfrm>
             <a:off x="504000" y="2290680"/>
-            <a:ext cx="9071640" cy="4384440"/>
+            <a:ext cx="9071280" cy="4384080"/>
           </a:xfrm>
           <a:prstGeom prst="rect">
             <a:avLst/>
@@ -3564,10 +5634,19 @@
             <a:noFill/>
           </a:ln>
         </p:spPr>
+        <p:style>
+          <a:lnRef idx="0"/>
+          <a:fillRef idx="0"/>
+          <a:effectRef idx="0"/>
+          <a:fontRef idx="minor"/>
+        </p:style>
         <p:txBody>
           <a:bodyPr lIns="0" rIns="0" tIns="0" bIns="0"/>
           <a:p>
-            <a:pPr marL="432000" indent="-324000">
+            <a:pPr marL="432000" indent="-323640">
+              <a:lnSpc>
+                <a:spcPct val="100000"/>
+              </a:lnSpc>
               <a:buClr>
                 <a:srgbClr val="000000"/>
               </a:buClr>
@@ -3589,7 +5668,127 @@
               </a:rPr>
               <a:t>Porównanie ceny</a:t>
             </a:r>
-            <a:endParaRPr b="0" lang="en-US" sz="3200" spc="-1" strike="noStrike">
+            <a:endParaRPr b="0" lang="en-US" sz="1800" spc="-1" strike="noStrike">
+              <a:solidFill>
+                <a:srgbClr val="000000"/>
+              </a:solidFill>
+              <a:uFill>
+                <a:solidFill>
+                  <a:srgbClr val="ffffff"/>
+                </a:solidFill>
+              </a:uFill>
+              <a:latin typeface="Arial"/>
+            </a:endParaRPr>
+          </a:p>
+          <a:p>
+            <a:pPr marL="432000" indent="-323640">
+              <a:lnSpc>
+                <a:spcPct val="100000"/>
+              </a:lnSpc>
+              <a:buClr>
+                <a:srgbClr val="000000"/>
+              </a:buClr>
+              <a:buSzPct val="45000"/>
+              <a:buFont typeface="Wingdings" charset="2"/>
+              <a:buChar char=""/>
+            </a:pPr>
+            <a:r>
+              <a:rPr b="0" lang="en-US" sz="3200" spc="-1" strike="noStrike">
+                <a:solidFill>
+                  <a:srgbClr val="000000"/>
+                </a:solidFill>
+                <a:uFill>
+                  <a:solidFill>
+                    <a:srgbClr val="ffffff"/>
+                  </a:solidFill>
+                </a:uFill>
+                <a:latin typeface="Arial"/>
+              </a:rPr>
+              <a:t> </a:t>
+            </a:r>
+            <a:endParaRPr b="0" lang="en-US" sz="1800" spc="-1" strike="noStrike">
+              <a:solidFill>
+                <a:srgbClr val="000000"/>
+              </a:solidFill>
+              <a:uFill>
+                <a:solidFill>
+                  <a:srgbClr val="ffffff"/>
+                </a:solidFill>
+              </a:uFill>
+              <a:latin typeface="Arial"/>
+            </a:endParaRPr>
+          </a:p>
+          <a:p>
+            <a:pPr>
+              <a:lnSpc>
+                <a:spcPct val="100000"/>
+              </a:lnSpc>
+            </a:pPr>
+            <a:r>
+              <a:rPr b="0" lang="en-US" sz="3200" spc="-1" strike="noStrike">
+                <a:solidFill>
+                  <a:srgbClr val="000000"/>
+                </a:solidFill>
+                <a:uFill>
+                  <a:solidFill>
+                    <a:srgbClr val="ffffff"/>
+                  </a:solidFill>
+                </a:uFill>
+                <a:latin typeface="Arial"/>
+              </a:rPr>
+              <a:t>Tutaj skrótowo główne usługi – compute etc.</a:t>
+            </a:r>
+            <a:endParaRPr b="0" lang="en-US" sz="1800" spc="-1" strike="noStrike">
+              <a:solidFill>
+                <a:srgbClr val="000000"/>
+              </a:solidFill>
+              <a:uFill>
+                <a:solidFill>
+                  <a:srgbClr val="ffffff"/>
+                </a:solidFill>
+              </a:uFill>
+              <a:latin typeface="Arial"/>
+            </a:endParaRPr>
+          </a:p>
+          <a:p>
+            <a:pPr>
+              <a:lnSpc>
+                <a:spcPct val="100000"/>
+              </a:lnSpc>
+            </a:pPr>
+            <a:endParaRPr b="0" lang="en-US" sz="1800" spc="-1" strike="noStrike">
+              <a:solidFill>
+                <a:srgbClr val="000000"/>
+              </a:solidFill>
+              <a:uFill>
+                <a:solidFill>
+                  <a:srgbClr val="ffffff"/>
+                </a:solidFill>
+              </a:uFill>
+              <a:latin typeface="Arial"/>
+            </a:endParaRPr>
+          </a:p>
+          <a:p>
+            <a:pPr>
+              <a:lnSpc>
+                <a:spcPct val="100000"/>
+              </a:lnSpc>
+            </a:pPr>
+            <a:r>
+              <a:rPr b="0" lang="en-US" sz="3200" spc="-1" strike="noStrike">
+                <a:solidFill>
+                  <a:srgbClr val="000000"/>
+                </a:solidFill>
+                <a:uFill>
+                  <a:solidFill>
+                    <a:srgbClr val="ffffff"/>
+                  </a:solidFill>
+                </a:uFill>
+                <a:latin typeface="Arial"/>
+              </a:rPr>
+              <a:t>A bardziej wnikliwie bigdatowe rzeczy – np. Bigquery, storage.</a:t>
+            </a:r>
+            <a:endParaRPr b="0" lang="en-US" sz="1800" spc="-1" strike="noStrike">
               <a:solidFill>
                 <a:srgbClr val="000000"/>
               </a:solidFill>
@@ -3605,7 +5804,7 @@
       </p:sp>
       <p:pic>
         <p:nvPicPr>
-          <p:cNvPr id="50" name="" descr=""/>
+          <p:cNvPr id="83" name="" descr=""/>
           <p:cNvPicPr/>
           <p:nvPr/>
         </p:nvPicPr>
@@ -3616,7 +5815,7 @@
         <p:spPr>
           <a:xfrm>
             <a:off x="213840" y="948960"/>
-            <a:ext cx="9753120" cy="1428480"/>
+            <a:ext cx="9752760" cy="1428120"/>
           </a:xfrm>
           <a:prstGeom prst="rect">
             <a:avLst/>
@@ -3677,14 +5876,14 @@
       </p:grpSpPr>
       <p:sp>
         <p:nvSpPr>
-          <p:cNvPr id="51" name="TextShape 1"/>
-          <p:cNvSpPr txBox="1"/>
+          <p:cNvPr id="84" name="CustomShape 1"/>
+          <p:cNvSpPr/>
           <p:nvPr/>
         </p:nvSpPr>
         <p:spPr>
           <a:xfrm>
             <a:off x="504000" y="301320"/>
-            <a:ext cx="9071640" cy="1262160"/>
+            <a:ext cx="9071280" cy="1261800"/>
           </a:xfrm>
           <a:prstGeom prst="rect">
             <a:avLst/>
@@ -3694,10 +5893,20 @@
             <a:noFill/>
           </a:ln>
         </p:spPr>
+        <p:style>
+          <a:lnRef idx="0"/>
+          <a:fillRef idx="0"/>
+          <a:effectRef idx="0"/>
+          <a:fontRef idx="minor"/>
+        </p:style>
         <p:txBody>
           <a:bodyPr lIns="0" rIns="0" tIns="0" bIns="0" anchor="ctr"/>
           <a:p>
-            <a:pPr algn="ctr"/>
+            <a:pPr algn="ctr">
+              <a:lnSpc>
+                <a:spcPct val="100000"/>
+              </a:lnSpc>
+            </a:pPr>
             <a:r>
               <a:rPr b="0" lang="en-US" sz="4400" spc="-1" strike="noStrike">
                 <a:solidFill>
@@ -3712,30 +5921,30 @@
               </a:rPr>
               <a:t>Inne aspekty</a:t>
             </a:r>
-            <a:endParaRPr b="0" lang="en-US" sz="4400" spc="-1" strike="noStrike">
-              <a:solidFill>
-                <a:srgbClr val="000000"/>
-              </a:solidFill>
-              <a:uFill>
-                <a:solidFill>
-                  <a:srgbClr val="ffffff"/>
-                </a:solidFill>
-              </a:uFill>
-              <a:latin typeface="Arial"/>
-            </a:endParaRPr>
-          </a:p>
-        </p:txBody>
-      </p:sp>
-      <p:sp>
-        <p:nvSpPr>
-          <p:cNvPr id="52" name="TextShape 2"/>
-          <p:cNvSpPr txBox="1"/>
+            <a:endParaRPr b="0" lang="en-US" sz="1800" spc="-1" strike="noStrike">
+              <a:solidFill>
+                <a:srgbClr val="000000"/>
+              </a:solidFill>
+              <a:uFill>
+                <a:solidFill>
+                  <a:srgbClr val="ffffff"/>
+                </a:solidFill>
+              </a:uFill>
+              <a:latin typeface="Arial"/>
+            </a:endParaRPr>
+          </a:p>
+        </p:txBody>
+      </p:sp>
+      <p:sp>
+        <p:nvSpPr>
+          <p:cNvPr id="85" name="CustomShape 2"/>
+          <p:cNvSpPr/>
           <p:nvPr/>
         </p:nvSpPr>
         <p:spPr>
           <a:xfrm>
             <a:off x="504000" y="1769040"/>
-            <a:ext cx="9071640" cy="4384440"/>
+            <a:ext cx="9071280" cy="4384080"/>
           </a:xfrm>
           <a:prstGeom prst="rect">
             <a:avLst/>
@@ -3745,10 +5954,19 @@
             <a:noFill/>
           </a:ln>
         </p:spPr>
+        <p:style>
+          <a:lnRef idx="0"/>
+          <a:fillRef idx="0"/>
+          <a:effectRef idx="0"/>
+          <a:fontRef idx="minor"/>
+        </p:style>
         <p:txBody>
           <a:bodyPr lIns="0" rIns="0" tIns="0" bIns="0"/>
           <a:p>
-            <a:pPr marL="432000" indent="-324000">
+            <a:pPr marL="432000" indent="-323640">
+              <a:lnSpc>
+                <a:spcPct val="100000"/>
+              </a:lnSpc>
               <a:buClr>
                 <a:srgbClr val="000000"/>
               </a:buClr>
@@ -3770,7 +5988,7 @@
               </a:rPr>
               <a:t>Omówienie innych aspektów ze slajdu nr 2 – wybór dostawcy</a:t>
             </a:r>
-            <a:endParaRPr b="0" lang="en-US" sz="3200" spc="-1" strike="noStrike">
+            <a:endParaRPr b="0" lang="en-US" sz="1800" spc="-1" strike="noStrike">
               <a:solidFill>
                 <a:srgbClr val="000000"/>
               </a:solidFill>
@@ -3835,14 +6053,14 @@
       </p:grpSpPr>
       <p:sp>
         <p:nvSpPr>
-          <p:cNvPr id="53" name="TextShape 1"/>
-          <p:cNvSpPr txBox="1"/>
+          <p:cNvPr id="86" name="CustomShape 1"/>
+          <p:cNvSpPr/>
           <p:nvPr/>
         </p:nvSpPr>
         <p:spPr>
           <a:xfrm>
             <a:off x="504000" y="301320"/>
-            <a:ext cx="9071640" cy="1262160"/>
+            <a:ext cx="9071280" cy="1261800"/>
           </a:xfrm>
           <a:prstGeom prst="rect">
             <a:avLst/>
@@ -3852,10 +6070,20 @@
             <a:noFill/>
           </a:ln>
         </p:spPr>
+        <p:style>
+          <a:lnRef idx="0"/>
+          <a:fillRef idx="0"/>
+          <a:effectRef idx="0"/>
+          <a:fontRef idx="minor"/>
+        </p:style>
         <p:txBody>
           <a:bodyPr lIns="0" rIns="0" tIns="0" bIns="0" anchor="ctr"/>
           <a:p>
-            <a:pPr algn="ctr"/>
+            <a:pPr algn="ctr">
+              <a:lnSpc>
+                <a:spcPct val="100000"/>
+              </a:lnSpc>
+            </a:pPr>
             <a:r>
               <a:rPr b="0" lang="en-US" sz="4400" spc="-1" strike="noStrike">
                 <a:solidFill>
@@ -3870,30 +6098,30 @@
               </a:rPr>
               <a:t>Wybór padł na GCP</a:t>
             </a:r>
-            <a:endParaRPr b="0" lang="en-US" sz="4400" spc="-1" strike="noStrike">
-              <a:solidFill>
-                <a:srgbClr val="000000"/>
-              </a:solidFill>
-              <a:uFill>
-                <a:solidFill>
-                  <a:srgbClr val="ffffff"/>
-                </a:solidFill>
-              </a:uFill>
-              <a:latin typeface="Arial"/>
-            </a:endParaRPr>
-          </a:p>
-        </p:txBody>
-      </p:sp>
-      <p:sp>
-        <p:nvSpPr>
-          <p:cNvPr id="54" name="TextShape 2"/>
-          <p:cNvSpPr txBox="1"/>
+            <a:endParaRPr b="0" lang="en-US" sz="1800" spc="-1" strike="noStrike">
+              <a:solidFill>
+                <a:srgbClr val="000000"/>
+              </a:solidFill>
+              <a:uFill>
+                <a:solidFill>
+                  <a:srgbClr val="ffffff"/>
+                </a:solidFill>
+              </a:uFill>
+              <a:latin typeface="Arial"/>
+            </a:endParaRPr>
+          </a:p>
+        </p:txBody>
+      </p:sp>
+      <p:sp>
+        <p:nvSpPr>
+          <p:cNvPr id="87" name="CustomShape 2"/>
+          <p:cNvSpPr/>
           <p:nvPr/>
         </p:nvSpPr>
         <p:spPr>
           <a:xfrm>
             <a:off x="504000" y="1769040"/>
-            <a:ext cx="9071640" cy="4384440"/>
+            <a:ext cx="9071280" cy="4384080"/>
           </a:xfrm>
           <a:prstGeom prst="rect">
             <a:avLst/>
@@ -3903,10 +6131,19 @@
             <a:noFill/>
           </a:ln>
         </p:spPr>
+        <p:style>
+          <a:lnRef idx="0"/>
+          <a:fillRef idx="0"/>
+          <a:effectRef idx="0"/>
+          <a:fontRef idx="minor"/>
+        </p:style>
         <p:txBody>
           <a:bodyPr lIns="0" rIns="0" tIns="0" bIns="0"/>
           <a:p>
-            <a:pPr marL="432000" indent="-324000">
+            <a:pPr marL="432000" indent="-323640">
+              <a:lnSpc>
+                <a:spcPct val="100000"/>
+              </a:lnSpc>
               <a:buClr>
                 <a:srgbClr val="000000"/>
               </a:buClr>
@@ -3928,7 +6165,7 @@
               </a:rPr>
               <a:t>Ogólne omówienie co najbardziej decydowało</a:t>
             </a:r>
-            <a:endParaRPr b="0" lang="en-US" sz="3200" spc="-1" strike="noStrike">
+            <a:endParaRPr b="0" lang="en-US" sz="1800" spc="-1" strike="noStrike">
               <a:solidFill>
                 <a:srgbClr val="000000"/>
               </a:solidFill>
@@ -3993,14 +6230,14 @@
       </p:grpSpPr>
       <p:sp>
         <p:nvSpPr>
-          <p:cNvPr id="55" name="TextShape 1"/>
-          <p:cNvSpPr txBox="1"/>
+          <p:cNvPr id="88" name="CustomShape 1"/>
+          <p:cNvSpPr/>
           <p:nvPr/>
         </p:nvSpPr>
         <p:spPr>
           <a:xfrm>
             <a:off x="504000" y="301320"/>
-            <a:ext cx="9071640" cy="1262160"/>
+            <a:ext cx="9071280" cy="1261800"/>
           </a:xfrm>
           <a:prstGeom prst="rect">
             <a:avLst/>
@@ -4010,10 +6247,20 @@
             <a:noFill/>
           </a:ln>
         </p:spPr>
+        <p:style>
+          <a:lnRef idx="0"/>
+          <a:fillRef idx="0"/>
+          <a:effectRef idx="0"/>
+          <a:fontRef idx="minor"/>
+        </p:style>
         <p:txBody>
           <a:bodyPr lIns="0" rIns="0" tIns="0" bIns="0" anchor="ctr"/>
           <a:p>
-            <a:pPr algn="ctr"/>
+            <a:pPr algn="ctr">
+              <a:lnSpc>
+                <a:spcPct val="100000"/>
+              </a:lnSpc>
+            </a:pPr>
             <a:r>
               <a:rPr b="0" lang="en-US" sz="4400" spc="-1" strike="noStrike">
                 <a:solidFill>
@@ -4026,32 +6273,32 @@
                 </a:uFill>
                 <a:latin typeface="Arial"/>
               </a:rPr>
-              <a:t>Jak zorganizować ekosystem w chmurze?</a:t>
+              <a:t>Jak zorganizować ekosystem w chmurze? schemat</a:t>
             </a:r>
-            <a:endParaRPr b="0" lang="en-US" sz="4400" spc="-1" strike="noStrike">
-              <a:solidFill>
-                <a:srgbClr val="000000"/>
-              </a:solidFill>
-              <a:uFill>
-                <a:solidFill>
-                  <a:srgbClr val="ffffff"/>
-                </a:solidFill>
-              </a:uFill>
-              <a:latin typeface="Arial"/>
-            </a:endParaRPr>
-          </a:p>
-        </p:txBody>
-      </p:sp>
-      <p:sp>
-        <p:nvSpPr>
-          <p:cNvPr id="56" name="TextShape 2"/>
-          <p:cNvSpPr txBox="1"/>
+            <a:endParaRPr b="0" lang="en-US" sz="1800" spc="-1" strike="noStrike">
+              <a:solidFill>
+                <a:srgbClr val="000000"/>
+              </a:solidFill>
+              <a:uFill>
+                <a:solidFill>
+                  <a:srgbClr val="ffffff"/>
+                </a:solidFill>
+              </a:uFill>
+              <a:latin typeface="Arial"/>
+            </a:endParaRPr>
+          </a:p>
+        </p:txBody>
+      </p:sp>
+      <p:sp>
+        <p:nvSpPr>
+          <p:cNvPr id="89" name="CustomShape 2"/>
+          <p:cNvSpPr/>
           <p:nvPr/>
         </p:nvSpPr>
         <p:spPr>
           <a:xfrm>
             <a:off x="504000" y="1769040"/>
-            <a:ext cx="9071640" cy="4384440"/>
+            <a:ext cx="9071280" cy="4384080"/>
           </a:xfrm>
           <a:prstGeom prst="rect">
             <a:avLst/>
@@ -4061,22 +6308,12 @@
             <a:noFill/>
           </a:ln>
         </p:spPr>
-        <p:txBody>
-          <a:bodyPr lIns="0" rIns="0" tIns="0" bIns="0"/>
-          <a:p>
-            <a:endParaRPr b="0" lang="en-US" sz="3200" spc="-1" strike="noStrike">
-              <a:solidFill>
-                <a:srgbClr val="000000"/>
-              </a:solidFill>
-              <a:uFill>
-                <a:solidFill>
-                  <a:srgbClr val="ffffff"/>
-                </a:solidFill>
-              </a:uFill>
-              <a:latin typeface="Arial"/>
-            </a:endParaRPr>
-          </a:p>
-        </p:txBody>
+        <p:style>
+          <a:lnRef idx="0"/>
+          <a:fillRef idx="0"/>
+          <a:effectRef idx="0"/>
+          <a:fontRef idx="minor"/>
+        </p:style>
       </p:sp>
     </p:spTree>
   </p:cSld>
@@ -4129,14 +6366,14 @@
       </p:grpSpPr>
       <p:sp>
         <p:nvSpPr>
-          <p:cNvPr id="57" name="TextShape 1"/>
-          <p:cNvSpPr txBox="1"/>
+          <p:cNvPr id="90" name="CustomShape 1"/>
+          <p:cNvSpPr/>
           <p:nvPr/>
         </p:nvSpPr>
         <p:spPr>
           <a:xfrm>
             <a:off x="504000" y="301320"/>
-            <a:ext cx="9071640" cy="1262160"/>
+            <a:ext cx="9071280" cy="1261800"/>
           </a:xfrm>
           <a:prstGeom prst="rect">
             <a:avLst/>
@@ -4146,10 +6383,20 @@
             <a:noFill/>
           </a:ln>
         </p:spPr>
+        <p:style>
+          <a:lnRef idx="0"/>
+          <a:fillRef idx="0"/>
+          <a:effectRef idx="0"/>
+          <a:fontRef idx="minor"/>
+        </p:style>
         <p:txBody>
           <a:bodyPr lIns="0" rIns="0" tIns="0" bIns="0" anchor="ctr"/>
           <a:p>
-            <a:pPr algn="ctr"/>
+            <a:pPr algn="ctr">
+              <a:lnSpc>
+                <a:spcPct val="100000"/>
+              </a:lnSpc>
+            </a:pPr>
             <a:r>
               <a:rPr b="0" lang="en-US" sz="4400" spc="-1" strike="noStrike">
                 <a:solidFill>
@@ -4164,30 +6411,30 @@
               </a:rPr>
               <a:t>Migracja straego systemu</a:t>
             </a:r>
-            <a:endParaRPr b="0" lang="en-US" sz="4400" spc="-1" strike="noStrike">
-              <a:solidFill>
-                <a:srgbClr val="000000"/>
-              </a:solidFill>
-              <a:uFill>
-                <a:solidFill>
-                  <a:srgbClr val="ffffff"/>
-                </a:solidFill>
-              </a:uFill>
-              <a:latin typeface="Arial"/>
-            </a:endParaRPr>
-          </a:p>
-        </p:txBody>
-      </p:sp>
-      <p:sp>
-        <p:nvSpPr>
-          <p:cNvPr id="58" name="TextShape 2"/>
-          <p:cNvSpPr txBox="1"/>
+            <a:endParaRPr b="0" lang="en-US" sz="1800" spc="-1" strike="noStrike">
+              <a:solidFill>
+                <a:srgbClr val="000000"/>
+              </a:solidFill>
+              <a:uFill>
+                <a:solidFill>
+                  <a:srgbClr val="ffffff"/>
+                </a:solidFill>
+              </a:uFill>
+              <a:latin typeface="Arial"/>
+            </a:endParaRPr>
+          </a:p>
+        </p:txBody>
+      </p:sp>
+      <p:sp>
+        <p:nvSpPr>
+          <p:cNvPr id="91" name="CustomShape 2"/>
+          <p:cNvSpPr/>
           <p:nvPr/>
         </p:nvSpPr>
         <p:spPr>
           <a:xfrm>
             <a:off x="504000" y="1769040"/>
-            <a:ext cx="9071640" cy="4384440"/>
+            <a:ext cx="9071280" cy="4384080"/>
           </a:xfrm>
           <a:prstGeom prst="rect">
             <a:avLst/>
@@ -4197,10 +6444,19 @@
             <a:noFill/>
           </a:ln>
         </p:spPr>
+        <p:style>
+          <a:lnRef idx="0"/>
+          <a:fillRef idx="0"/>
+          <a:effectRef idx="0"/>
+          <a:fontRef idx="minor"/>
+        </p:style>
         <p:txBody>
           <a:bodyPr lIns="0" rIns="0" tIns="0" bIns="0"/>
           <a:p>
-            <a:pPr marL="432000" indent="-324000">
+            <a:pPr marL="432000" indent="-323640">
+              <a:lnSpc>
+                <a:spcPct val="100000"/>
+              </a:lnSpc>
               <a:buClr>
                 <a:srgbClr val="000000"/>
               </a:buClr>
@@ -4222,7 +6478,7 @@
               </a:rPr>
               <a:t>Co zrobić żeby przenieść się do chmury</a:t>
             </a:r>
-            <a:endParaRPr b="0" lang="en-US" sz="3200" spc="-1" strike="noStrike">
+            <a:endParaRPr b="0" lang="en-US" sz="1800" spc="-1" strike="noStrike">
               <a:solidFill>
                 <a:srgbClr val="000000"/>
               </a:solidFill>
@@ -4489,4 +6745,227 @@
     </a:fmtScheme>
   </a:themeElements>
 </a:theme>
+</file>
+
+<file path=ppt/theme/theme2.xml><?xml version="1.0" encoding="utf-8"?>
+<a:theme xmlns:a="http://schemas.openxmlformats.org/drawingml/2006/main" name="Office Theme">
+  <a:themeElements>
+    <a:clrScheme name="Office">
+      <a:dk1>
+        <a:sysClr val="windowText" lastClr="000000"/>
+      </a:dk1>
+      <a:lt1>
+        <a:sysClr val="window" lastClr="FFFFFF"/>
+      </a:lt1>
+      <a:dk2>
+        <a:srgbClr val="1F497D"/>
+      </a:dk2>
+      <a:lt2>
+        <a:srgbClr val="EEECE1"/>
+      </a:lt2>
+      <a:accent1>
+        <a:srgbClr val="4F81BD"/>
+      </a:accent1>
+      <a:accent2>
+        <a:srgbClr val="C0504D"/>
+      </a:accent2>
+      <a:accent3>
+        <a:srgbClr val="9BBB59"/>
+      </a:accent3>
+      <a:accent4>
+        <a:srgbClr val="8064A2"/>
+      </a:accent4>
+      <a:accent5>
+        <a:srgbClr val="4BACC6"/>
+      </a:accent5>
+      <a:accent6>
+        <a:srgbClr val="F79646"/>
+      </a:accent6>
+      <a:hlink>
+        <a:srgbClr val="0000FF"/>
+      </a:hlink>
+      <a:folHlink>
+        <a:srgbClr val="800080"/>
+      </a:folHlink>
+    </a:clrScheme>
+    <a:fontScheme name="Office">
+      <a:majorFont>
+        <a:latin typeface="Arial"/>
+        <a:ea typeface="DejaVu Sans"/>
+        <a:cs typeface="DejaVu Sans"/>
+      </a:majorFont>
+      <a:minorFont>
+        <a:latin typeface="Arial"/>
+        <a:ea typeface="DejaVu Sans"/>
+        <a:cs typeface="DejaVu Sans"/>
+      </a:minorFont>
+    </a:fontScheme>
+    <a:fmtScheme name="Office">
+      <a:fillStyleLst>
+        <a:solidFill>
+          <a:schemeClr val="phClr"/>
+        </a:solidFill>
+        <a:gradFill rotWithShape="1">
+          <a:gsLst>
+            <a:gs pos="0">
+              <a:schemeClr val="phClr">
+                <a:tint val="50000"/>
+                <a:satMod val="300000"/>
+              </a:schemeClr>
+            </a:gs>
+            <a:gs pos="35000">
+              <a:schemeClr val="phClr">
+                <a:tint val="37000"/>
+                <a:satMod val="300000"/>
+              </a:schemeClr>
+            </a:gs>
+            <a:gs pos="100000">
+              <a:schemeClr val="phClr">
+                <a:tint val="15000"/>
+                <a:satMod val="350000"/>
+              </a:schemeClr>
+            </a:gs>
+          </a:gsLst>
+          <a:lin ang="16200000" scaled="1"/>
+        </a:gradFill>
+        <a:gradFill rotWithShape="1">
+          <a:gsLst>
+            <a:gs pos="0">
+              <a:schemeClr val="phClr">
+                <a:shade val="51000"/>
+                <a:satMod val="130000"/>
+              </a:schemeClr>
+            </a:gs>
+            <a:gs pos="80000">
+              <a:schemeClr val="phClr">
+                <a:shade val="93000"/>
+                <a:satMod val="130000"/>
+              </a:schemeClr>
+            </a:gs>
+            <a:gs pos="100000">
+              <a:schemeClr val="phClr">
+                <a:shade val="94000"/>
+                <a:satMod val="135000"/>
+              </a:schemeClr>
+            </a:gs>
+          </a:gsLst>
+          <a:lin ang="16200000" scaled="0"/>
+        </a:gradFill>
+      </a:fillStyleLst>
+      <a:lnStyleLst>
+        <a:ln w="9525" cap="flat" cmpd="sng" algn="ctr">
+          <a:solidFill>
+            <a:schemeClr val="phClr">
+              <a:shade val="95000"/>
+              <a:satMod val="105000"/>
+            </a:schemeClr>
+          </a:solidFill>
+          <a:prstDash val="solid"/>
+        </a:ln>
+        <a:ln w="25400" cap="flat" cmpd="sng" algn="ctr">
+          <a:solidFill>
+            <a:schemeClr val="phClr"/>
+          </a:solidFill>
+          <a:prstDash val="solid"/>
+        </a:ln>
+        <a:ln w="38100" cap="flat" cmpd="sng" algn="ctr">
+          <a:solidFill>
+            <a:schemeClr val="phClr"/>
+          </a:solidFill>
+          <a:prstDash val="solid"/>
+        </a:ln>
+      </a:lnStyleLst>
+      <a:effectStyleLst>
+        <a:effectStyle>
+          <a:effectLst>
+            <a:outerShdw blurRad="40000" dist="20000" dir="5400000" rotWithShape="0">
+              <a:srgbClr val="000000">
+                <a:alpha val="38000"/>
+              </a:srgbClr>
+            </a:outerShdw>
+          </a:effectLst>
+        </a:effectStyle>
+        <a:effectStyle>
+          <a:effectLst>
+            <a:outerShdw blurRad="40000" dist="23000" dir="5400000" rotWithShape="0">
+              <a:srgbClr val="000000">
+                <a:alpha val="35000"/>
+              </a:srgbClr>
+            </a:outerShdw>
+          </a:effectLst>
+        </a:effectStyle>
+        <a:effectStyle>
+          <a:effectLst>
+            <a:outerShdw blurRad="40000" dist="23000" dir="5400000" rotWithShape="0">
+              <a:srgbClr val="000000">
+                <a:alpha val="35000"/>
+              </a:srgbClr>
+            </a:outerShdw>
+          </a:effectLst>
+          <a:scene3d>
+            <a:camera prst="orthographicFront">
+              <a:rot lat="0" lon="0" rev="0"/>
+            </a:camera>
+            <a:lightRig rig="threePt" dir="t">
+              <a:rot lat="0" lon="0" rev="1200000"/>
+            </a:lightRig>
+          </a:scene3d>
+          <a:sp3d>
+            <a:bevelT w="63500" h="25400"/>
+          </a:sp3d>
+        </a:effectStyle>
+      </a:effectStyleLst>
+      <a:bgFillStyleLst>
+        <a:solidFill>
+          <a:schemeClr val="phClr"/>
+        </a:solidFill>
+        <a:gradFill rotWithShape="1">
+          <a:gsLst>
+            <a:gs pos="0">
+              <a:schemeClr val="phClr">
+                <a:tint val="40000"/>
+                <a:satMod val="350000"/>
+              </a:schemeClr>
+            </a:gs>
+            <a:gs pos="40000">
+              <a:schemeClr val="phClr">
+                <a:tint val="45000"/>
+                <a:shade val="99000"/>
+                <a:satMod val="350000"/>
+              </a:schemeClr>
+            </a:gs>
+            <a:gs pos="100000">
+              <a:schemeClr val="phClr">
+                <a:shade val="20000"/>
+                <a:satMod val="255000"/>
+              </a:schemeClr>
+            </a:gs>
+          </a:gsLst>
+          <a:path path="circle">
+            <a:fillToRect l="50000" t="-80000" r="50000" b="180000"/>
+          </a:path>
+        </a:gradFill>
+        <a:gradFill rotWithShape="1">
+          <a:gsLst>
+            <a:gs pos="0">
+              <a:schemeClr val="phClr">
+                <a:tint val="80000"/>
+                <a:satMod val="300000"/>
+              </a:schemeClr>
+            </a:gs>
+            <a:gs pos="100000">
+              <a:schemeClr val="phClr">
+                <a:shade val="30000"/>
+                <a:satMod val="200000"/>
+              </a:schemeClr>
+            </a:gs>
+          </a:gsLst>
+          <a:path path="circle">
+            <a:fillToRect l="50000" t="50000" r="50000" b="50000"/>
+          </a:path>
+        </a:gradFill>
+      </a:bgFillStyleLst>
+    </a:fmtScheme>
+  </a:themeElements>
+</a:theme>
 </file>